--- a/EmployeeManagementProject/Capstone EmployeeManagement PPT.pptx
+++ b/EmployeeManagementProject/Capstone EmployeeManagement PPT.pptx
@@ -5,7 +5,7 @@
     <p:sldMasterId id="2147483648" r:id="rId1"/>
   </p:sldMasterIdLst>
   <p:notesMasterIdLst>
-    <p:notesMasterId r:id="rId20"/>
+    <p:notesMasterId r:id="rId26"/>
   </p:notesMasterIdLst>
   <p:sldIdLst>
     <p:sldId id="260" r:id="rId2"/>
@@ -26,6 +26,12 @@
     <p:sldId id="4435" r:id="rId17"/>
     <p:sldId id="4436" r:id="rId18"/>
     <p:sldId id="4437" r:id="rId19"/>
+    <p:sldId id="4438" r:id="rId20"/>
+    <p:sldId id="4439" r:id="rId21"/>
+    <p:sldId id="4440" r:id="rId22"/>
+    <p:sldId id="4441" r:id="rId23"/>
+    <p:sldId id="4442" r:id="rId24"/>
+    <p:sldId id="4443" r:id="rId25"/>
   </p:sldIdLst>
   <p:sldSz cx="12192000" cy="6858000"/>
   <p:notesSz cx="6858000" cy="9144000"/>
@@ -214,7 +220,7 @@
           <a:p>
             <a:fld id="{64F83ABB-A641-41B3-815B-0BF716117969}" type="datetimeFigureOut">
               <a:rPr lang="en-US" smtClean="0"/>
-              <a:t>2/7/2026</a:t>
+              <a:t>2/8/2026</a:t>
             </a:fld>
             <a:endParaRPr lang="en-US"/>
           </a:p>
@@ -628,7 +634,7 @@
           <a:p>
             <a:fld id="{D66C86BF-26DF-47F2-BBA6-FB99F1E1025C}" type="datetimeFigureOut">
               <a:rPr lang="en-US" smtClean="0"/>
-              <a:t>2/7/2026</a:t>
+              <a:t>2/8/2026</a:t>
             </a:fld>
             <a:endParaRPr lang="en-US"/>
           </a:p>
@@ -826,7 +832,7 @@
           <a:p>
             <a:fld id="{D66C86BF-26DF-47F2-BBA6-FB99F1E1025C}" type="datetimeFigureOut">
               <a:rPr lang="en-US" smtClean="0"/>
-              <a:t>2/7/2026</a:t>
+              <a:t>2/8/2026</a:t>
             </a:fld>
             <a:endParaRPr lang="en-US"/>
           </a:p>
@@ -1034,7 +1040,7 @@
           <a:p>
             <a:fld id="{D66C86BF-26DF-47F2-BBA6-FB99F1E1025C}" type="datetimeFigureOut">
               <a:rPr lang="en-US" smtClean="0"/>
-              <a:t>2/7/2026</a:t>
+              <a:t>2/8/2026</a:t>
             </a:fld>
             <a:endParaRPr lang="en-US"/>
           </a:p>
@@ -1232,7 +1238,7 @@
           <a:p>
             <a:fld id="{D66C86BF-26DF-47F2-BBA6-FB99F1E1025C}" type="datetimeFigureOut">
               <a:rPr lang="en-US" smtClean="0"/>
-              <a:t>2/7/2026</a:t>
+              <a:t>2/8/2026</a:t>
             </a:fld>
             <a:endParaRPr lang="en-US"/>
           </a:p>
@@ -1507,7 +1513,7 @@
           <a:p>
             <a:fld id="{D66C86BF-26DF-47F2-BBA6-FB99F1E1025C}" type="datetimeFigureOut">
               <a:rPr lang="en-US" smtClean="0"/>
-              <a:t>2/7/2026</a:t>
+              <a:t>2/8/2026</a:t>
             </a:fld>
             <a:endParaRPr lang="en-US"/>
           </a:p>
@@ -1772,7 +1778,7 @@
           <a:p>
             <a:fld id="{D66C86BF-26DF-47F2-BBA6-FB99F1E1025C}" type="datetimeFigureOut">
               <a:rPr lang="en-US" smtClean="0"/>
-              <a:t>2/7/2026</a:t>
+              <a:t>2/8/2026</a:t>
             </a:fld>
             <a:endParaRPr lang="en-US"/>
           </a:p>
@@ -2184,7 +2190,7 @@
           <a:p>
             <a:fld id="{D66C86BF-26DF-47F2-BBA6-FB99F1E1025C}" type="datetimeFigureOut">
               <a:rPr lang="en-US" smtClean="0"/>
-              <a:t>2/7/2026</a:t>
+              <a:t>2/8/2026</a:t>
             </a:fld>
             <a:endParaRPr lang="en-US"/>
           </a:p>
@@ -2325,7 +2331,7 @@
           <a:p>
             <a:fld id="{D66C86BF-26DF-47F2-BBA6-FB99F1E1025C}" type="datetimeFigureOut">
               <a:rPr lang="en-US" smtClean="0"/>
-              <a:t>2/7/2026</a:t>
+              <a:t>2/8/2026</a:t>
             </a:fld>
             <a:endParaRPr lang="en-US"/>
           </a:p>
@@ -2438,7 +2444,7 @@
           <a:p>
             <a:fld id="{D66C86BF-26DF-47F2-BBA6-FB99F1E1025C}" type="datetimeFigureOut">
               <a:rPr lang="en-US" smtClean="0"/>
-              <a:t>2/7/2026</a:t>
+              <a:t>2/8/2026</a:t>
             </a:fld>
             <a:endParaRPr lang="en-US"/>
           </a:p>
@@ -2749,7 +2755,7 @@
           <a:p>
             <a:fld id="{D66C86BF-26DF-47F2-BBA6-FB99F1E1025C}" type="datetimeFigureOut">
               <a:rPr lang="en-US" smtClean="0"/>
-              <a:t>2/7/2026</a:t>
+              <a:t>2/8/2026</a:t>
             </a:fld>
             <a:endParaRPr lang="en-US"/>
           </a:p>
@@ -3037,7 +3043,7 @@
           <a:p>
             <a:fld id="{D66C86BF-26DF-47F2-BBA6-FB99F1E1025C}" type="datetimeFigureOut">
               <a:rPr lang="en-US" smtClean="0"/>
-              <a:t>2/7/2026</a:t>
+              <a:t>2/8/2026</a:t>
             </a:fld>
             <a:endParaRPr lang="en-US"/>
           </a:p>
@@ -3278,7 +3284,7 @@
           <a:p>
             <a:fld id="{D66C86BF-26DF-47F2-BBA6-FB99F1E1025C}" type="datetimeFigureOut">
               <a:rPr lang="en-US" smtClean="0"/>
-              <a:t>2/7/2026</a:t>
+              <a:t>2/8/2026</a:t>
             </a:fld>
             <a:endParaRPr lang="en-US"/>
           </a:p>
@@ -7751,6 +7757,386 @@
 </p:sld>
 </file>
 
+<file path=ppt/slides/slide19.xml><?xml version="1.0" encoding="utf-8"?>
+<p:sld xmlns:a="http://schemas.openxmlformats.org/drawingml/2006/main" xmlns:r="http://schemas.openxmlformats.org/officeDocument/2006/relationships" xmlns:p="http://schemas.openxmlformats.org/presentationml/2006/main">
+  <p:cSld>
+    <p:spTree>
+      <p:nvGrpSpPr>
+        <p:cNvPr id="1" name="">
+          <a:extLst>
+            <a:ext uri="{FF2B5EF4-FFF2-40B4-BE49-F238E27FC236}">
+              <a16:creationId xmlns:a16="http://schemas.microsoft.com/office/drawing/2014/main" id="{C1CAF436-880C-EBE4-B39D-279B1D8CF927}"/>
+            </a:ext>
+          </a:extLst>
+        </p:cNvPr>
+        <p:cNvGrpSpPr/>
+        <p:nvPr/>
+      </p:nvGrpSpPr>
+      <p:grpSpPr>
+        <a:xfrm>
+          <a:off x="0" y="0"/>
+          <a:ext cx="0" cy="0"/>
+          <a:chOff x="0" y="0"/>
+          <a:chExt cx="0" cy="0"/>
+        </a:xfrm>
+      </p:grpSpPr>
+      <p:sp>
+        <p:nvSpPr>
+          <p:cNvPr id="29" name="Rectangle 155">
+            <a:extLst>
+              <a:ext uri="{FF2B5EF4-FFF2-40B4-BE49-F238E27FC236}">
+                <a16:creationId xmlns:a16="http://schemas.microsoft.com/office/drawing/2014/main" id="{EA71C559-BAE3-A468-519E-0E416014B9C5}"/>
+              </a:ext>
+            </a:extLst>
+          </p:cNvPr>
+          <p:cNvSpPr/>
+          <p:nvPr/>
+        </p:nvSpPr>
+        <p:spPr>
+          <a:xfrm>
+            <a:off x="273075" y="211475"/>
+            <a:ext cx="10102565" cy="492443"/>
+          </a:xfrm>
+          <a:prstGeom prst="rect">
+            <a:avLst/>
+          </a:prstGeom>
+        </p:spPr>
+        <p:txBody>
+          <a:bodyPr wrap="square" lIns="0" tIns="0" rIns="0" bIns="0">
+            <a:spAutoFit/>
+          </a:bodyPr>
+          <a:lstStyle/>
+          <a:p>
+            <a:pPr>
+              <a:spcBef>
+                <a:spcPct val="0"/>
+              </a:spcBef>
+            </a:pPr>
+            <a:r>
+              <a:rPr lang="en-US" sz="3200" b="1" dirty="0">
+                <a:solidFill>
+                  <a:srgbClr val="0187CC"/>
+                </a:solidFill>
+                <a:latin typeface="HK Grotesk Bold"/>
+              </a:rPr>
+              <a:t>Employee Management System</a:t>
+            </a:r>
+          </a:p>
+        </p:txBody>
+      </p:sp>
+      <p:pic>
+        <p:nvPicPr>
+          <p:cNvPr id="2" name="Picture 1" descr="Logo&#10;&#10;Description automatically generated">
+            <a:extLst>
+              <a:ext uri="{FF2B5EF4-FFF2-40B4-BE49-F238E27FC236}">
+                <a16:creationId xmlns:a16="http://schemas.microsoft.com/office/drawing/2014/main" id="{5A6F550E-FA42-D8AA-7214-7D9525CE18B5}"/>
+              </a:ext>
+            </a:extLst>
+          </p:cNvPr>
+          <p:cNvPicPr>
+            <a:picLocks noChangeAspect="1"/>
+          </p:cNvPicPr>
+          <p:nvPr/>
+        </p:nvPicPr>
+        <p:blipFill>
+          <a:blip r:embed="rId2">
+            <a:extLst>
+              <a:ext uri="{28A0092B-C50C-407E-A947-70E740481C1C}">
+                <a14:useLocalDpi xmlns:a14="http://schemas.microsoft.com/office/drawing/2010/main" val="0"/>
+              </a:ext>
+            </a:extLst>
+          </a:blip>
+          <a:stretch>
+            <a:fillRect/>
+          </a:stretch>
+        </p:blipFill>
+        <p:spPr>
+          <a:xfrm>
+            <a:off x="108630" y="6397884"/>
+            <a:ext cx="645766" cy="422937"/>
+          </a:xfrm>
+          <a:prstGeom prst="rect">
+            <a:avLst/>
+          </a:prstGeom>
+        </p:spPr>
+      </p:pic>
+      <p:sp>
+        <p:nvSpPr>
+          <p:cNvPr id="3" name="TextBox 5">
+            <a:extLst>
+              <a:ext uri="{FF2B5EF4-FFF2-40B4-BE49-F238E27FC236}">
+                <a16:creationId xmlns:a16="http://schemas.microsoft.com/office/drawing/2014/main" id="{15B39310-C8F0-DEBC-636E-DF9502886922}"/>
+              </a:ext>
+            </a:extLst>
+          </p:cNvPr>
+          <p:cNvSpPr txBox="1"/>
+          <p:nvPr/>
+        </p:nvSpPr>
+        <p:spPr>
+          <a:xfrm>
+            <a:off x="4424757" y="6418579"/>
+            <a:ext cx="6259403" cy="240665"/>
+          </a:xfrm>
+          <a:prstGeom prst="rect">
+            <a:avLst/>
+          </a:prstGeom>
+        </p:spPr>
+        <p:txBody>
+          <a:bodyPr lIns="0" tIns="0" rIns="0" bIns="0" rtlCol="0" anchor="t">
+            <a:spAutoFit/>
+          </a:bodyPr>
+          <a:lstStyle/>
+          <a:p>
+            <a:pPr algn="r">
+              <a:lnSpc>
+                <a:spcPts val="1960"/>
+              </a:lnSpc>
+              <a:spcBef>
+                <a:spcPct val="0"/>
+              </a:spcBef>
+            </a:pPr>
+            <a:r>
+              <a:rPr lang="en-US" sz="1400" spc="140" dirty="0">
+                <a:solidFill>
+                  <a:srgbClr val="000000"/>
+                </a:solidFill>
+                <a:latin typeface="HK Grotesk Light"/>
+              </a:rPr>
+              <a:t>2024 - RPS Consulting all rights reserved</a:t>
+            </a:r>
+          </a:p>
+        </p:txBody>
+      </p:sp>
+      <p:sp>
+        <p:nvSpPr>
+          <p:cNvPr id="6" name="Slide Number Placeholder 5">
+            <a:extLst>
+              <a:ext uri="{FF2B5EF4-FFF2-40B4-BE49-F238E27FC236}">
+                <a16:creationId xmlns:a16="http://schemas.microsoft.com/office/drawing/2014/main" id="{4D6CF406-818D-C093-770E-CFF4F1E38DB7}"/>
+              </a:ext>
+            </a:extLst>
+          </p:cNvPr>
+          <p:cNvSpPr>
+            <a:spLocks noGrp="1"/>
+          </p:cNvSpPr>
+          <p:nvPr>
+            <p:ph type="sldNum" sz="quarter" idx="12"/>
+          </p:nvPr>
+        </p:nvSpPr>
+        <p:spPr/>
+        <p:txBody>
+          <a:bodyPr/>
+          <a:lstStyle/>
+          <a:p>
+            <a:fld id="{C8F35010-364B-470B-BB6C-DCBBE63D2E54}" type="slidenum">
+              <a:rPr lang="en-US" smtClean="0">
+                <a:solidFill>
+                  <a:schemeClr val="tx1"/>
+                </a:solidFill>
+              </a:rPr>
+              <a:t>19</a:t>
+            </a:fld>
+            <a:endParaRPr lang="en-US" dirty="0">
+              <a:solidFill>
+                <a:schemeClr val="tx1"/>
+              </a:solidFill>
+            </a:endParaRPr>
+          </a:p>
+        </p:txBody>
+      </p:sp>
+      <p:sp>
+        <p:nvSpPr>
+          <p:cNvPr id="4" name="TextBox 3">
+            <a:extLst>
+              <a:ext uri="{FF2B5EF4-FFF2-40B4-BE49-F238E27FC236}">
+                <a16:creationId xmlns:a16="http://schemas.microsoft.com/office/drawing/2014/main" id="{54C4F659-A06B-5DE4-8914-04C31873E094}"/>
+              </a:ext>
+            </a:extLst>
+          </p:cNvPr>
+          <p:cNvSpPr txBox="1"/>
+          <p:nvPr/>
+        </p:nvSpPr>
+        <p:spPr>
+          <a:xfrm>
+            <a:off x="273075" y="971116"/>
+            <a:ext cx="11080725" cy="1292662"/>
+          </a:xfrm>
+          <a:prstGeom prst="rect">
+            <a:avLst/>
+          </a:prstGeom>
+          <a:noFill/>
+        </p:spPr>
+        <p:txBody>
+          <a:bodyPr wrap="square" rtlCol="0">
+            <a:spAutoFit/>
+          </a:bodyPr>
+          <a:lstStyle>
+            <a:defPPr>
+              <a:defRPr lang="en-US"/>
+            </a:defPPr>
+            <a:lvl1pPr marL="0" algn="l" defTabSz="914400" rtl="0" eaLnBrk="1" latinLnBrk="0" hangingPunct="1">
+              <a:defRPr sz="1800" kern="1200">
+                <a:solidFill>
+                  <a:schemeClr val="tx1"/>
+                </a:solidFill>
+                <a:latin typeface="+mn-lt"/>
+                <a:ea typeface="+mn-ea"/>
+                <a:cs typeface="+mn-cs"/>
+              </a:defRPr>
+            </a:lvl1pPr>
+            <a:lvl2pPr marL="457200" algn="l" defTabSz="914400" rtl="0" eaLnBrk="1" latinLnBrk="0" hangingPunct="1">
+              <a:defRPr sz="1800" kern="1200">
+                <a:solidFill>
+                  <a:schemeClr val="tx1"/>
+                </a:solidFill>
+                <a:latin typeface="+mn-lt"/>
+                <a:ea typeface="+mn-ea"/>
+                <a:cs typeface="+mn-cs"/>
+              </a:defRPr>
+            </a:lvl2pPr>
+            <a:lvl3pPr marL="914400" algn="l" defTabSz="914400" rtl="0" eaLnBrk="1" latinLnBrk="0" hangingPunct="1">
+              <a:defRPr sz="1800" kern="1200">
+                <a:solidFill>
+                  <a:schemeClr val="tx1"/>
+                </a:solidFill>
+                <a:latin typeface="+mn-lt"/>
+                <a:ea typeface="+mn-ea"/>
+                <a:cs typeface="+mn-cs"/>
+              </a:defRPr>
+            </a:lvl3pPr>
+            <a:lvl4pPr marL="1371600" algn="l" defTabSz="914400" rtl="0" eaLnBrk="1" latinLnBrk="0" hangingPunct="1">
+              <a:defRPr sz="1800" kern="1200">
+                <a:solidFill>
+                  <a:schemeClr val="tx1"/>
+                </a:solidFill>
+                <a:latin typeface="+mn-lt"/>
+                <a:ea typeface="+mn-ea"/>
+                <a:cs typeface="+mn-cs"/>
+              </a:defRPr>
+            </a:lvl4pPr>
+            <a:lvl5pPr marL="1828800" algn="l" defTabSz="914400" rtl="0" eaLnBrk="1" latinLnBrk="0" hangingPunct="1">
+              <a:defRPr sz="1800" kern="1200">
+                <a:solidFill>
+                  <a:schemeClr val="tx1"/>
+                </a:solidFill>
+                <a:latin typeface="+mn-lt"/>
+                <a:ea typeface="+mn-ea"/>
+                <a:cs typeface="+mn-cs"/>
+              </a:defRPr>
+            </a:lvl5pPr>
+            <a:lvl6pPr marL="2286000" algn="l" defTabSz="914400" rtl="0" eaLnBrk="1" latinLnBrk="0" hangingPunct="1">
+              <a:defRPr sz="1800" kern="1200">
+                <a:solidFill>
+                  <a:schemeClr val="tx1"/>
+                </a:solidFill>
+                <a:latin typeface="+mn-lt"/>
+                <a:ea typeface="+mn-ea"/>
+                <a:cs typeface="+mn-cs"/>
+              </a:defRPr>
+            </a:lvl6pPr>
+            <a:lvl7pPr marL="2743200" algn="l" defTabSz="914400" rtl="0" eaLnBrk="1" latinLnBrk="0" hangingPunct="1">
+              <a:defRPr sz="1800" kern="1200">
+                <a:solidFill>
+                  <a:schemeClr val="tx1"/>
+                </a:solidFill>
+                <a:latin typeface="+mn-lt"/>
+                <a:ea typeface="+mn-ea"/>
+                <a:cs typeface="+mn-cs"/>
+              </a:defRPr>
+            </a:lvl7pPr>
+            <a:lvl8pPr marL="3200400" algn="l" defTabSz="914400" rtl="0" eaLnBrk="1" latinLnBrk="0" hangingPunct="1">
+              <a:defRPr sz="1800" kern="1200">
+                <a:solidFill>
+                  <a:schemeClr val="tx1"/>
+                </a:solidFill>
+                <a:latin typeface="+mn-lt"/>
+                <a:ea typeface="+mn-ea"/>
+                <a:cs typeface="+mn-cs"/>
+              </a:defRPr>
+            </a:lvl8pPr>
+            <a:lvl9pPr marL="3657600" algn="l" defTabSz="914400" rtl="0" eaLnBrk="1" latinLnBrk="0" hangingPunct="1">
+              <a:defRPr sz="1800" kern="1200">
+                <a:solidFill>
+                  <a:schemeClr val="tx1"/>
+                </a:solidFill>
+                <a:latin typeface="+mn-lt"/>
+                <a:ea typeface="+mn-ea"/>
+                <a:cs typeface="+mn-cs"/>
+              </a:defRPr>
+            </a:lvl9pPr>
+          </a:lstStyle>
+          <a:p>
+            <a:r>
+              <a:rPr lang="en-US" sz="2800" dirty="0">
+                <a:solidFill>
+                  <a:srgbClr val="0187CC"/>
+                </a:solidFill>
+                <a:latin typeface="HK Grotesk"/>
+              </a:rPr>
+              <a:t>Container running in Docker :</a:t>
+            </a:r>
+          </a:p>
+          <a:p>
+            <a:endParaRPr lang="en-US" sz="2800" dirty="0">
+              <a:solidFill>
+                <a:srgbClr val="0187CC"/>
+              </a:solidFill>
+              <a:latin typeface="HK Grotesk"/>
+            </a:endParaRPr>
+          </a:p>
+          <a:p>
+            <a:endParaRPr lang="en-US" sz="2200" dirty="0">
+              <a:solidFill>
+                <a:srgbClr val="0187CC"/>
+              </a:solidFill>
+              <a:latin typeface="HK Grotesk"/>
+            </a:endParaRPr>
+          </a:p>
+        </p:txBody>
+      </p:sp>
+      <p:pic>
+        <p:nvPicPr>
+          <p:cNvPr id="7" name="Picture 6">
+            <a:extLst>
+              <a:ext uri="{FF2B5EF4-FFF2-40B4-BE49-F238E27FC236}">
+                <a16:creationId xmlns:a16="http://schemas.microsoft.com/office/drawing/2014/main" id="{F5244A12-F78B-F941-1B60-60F7A44ADC12}"/>
+              </a:ext>
+            </a:extLst>
+          </p:cNvPr>
+          <p:cNvPicPr>
+            <a:picLocks noChangeAspect="1"/>
+          </p:cNvPicPr>
+          <p:nvPr/>
+        </p:nvPicPr>
+        <p:blipFill>
+          <a:blip r:embed="rId3"/>
+          <a:stretch>
+            <a:fillRect/>
+          </a:stretch>
+        </p:blipFill>
+        <p:spPr>
+          <a:xfrm>
+            <a:off x="923280" y="1396397"/>
+            <a:ext cx="9452360" cy="5022182"/>
+          </a:xfrm>
+          <a:prstGeom prst="rect">
+            <a:avLst/>
+          </a:prstGeom>
+        </p:spPr>
+      </p:pic>
+    </p:spTree>
+    <p:extLst>
+      <p:ext uri="{BB962C8B-B14F-4D97-AF65-F5344CB8AC3E}">
+        <p14:creationId xmlns:p14="http://schemas.microsoft.com/office/powerpoint/2010/main" val="4210379315"/>
+      </p:ext>
+    </p:extLst>
+  </p:cSld>
+  <p:clrMapOvr>
+    <a:masterClrMapping/>
+  </p:clrMapOvr>
+</p:sld>
+</file>
+
 <file path=ppt/slides/slide2.xml><?xml version="1.0" encoding="utf-8"?>
 <p:sld xmlns:a="http://schemas.openxmlformats.org/drawingml/2006/main" xmlns:r="http://schemas.openxmlformats.org/officeDocument/2006/relationships" xmlns:p="http://schemas.openxmlformats.org/presentationml/2006/main">
   <p:cSld>
@@ -8161,6 +8547,2037 @@
     <p:extLst>
       <p:ext uri="{BB962C8B-B14F-4D97-AF65-F5344CB8AC3E}">
         <p14:creationId xmlns:p14="http://schemas.microsoft.com/office/powerpoint/2010/main" val="4051022129"/>
+      </p:ext>
+    </p:extLst>
+  </p:cSld>
+  <p:clrMapOvr>
+    <a:masterClrMapping/>
+  </p:clrMapOvr>
+</p:sld>
+</file>
+
+<file path=ppt/slides/slide20.xml><?xml version="1.0" encoding="utf-8"?>
+<p:sld xmlns:a="http://schemas.openxmlformats.org/drawingml/2006/main" xmlns:r="http://schemas.openxmlformats.org/officeDocument/2006/relationships" xmlns:p="http://schemas.openxmlformats.org/presentationml/2006/main">
+  <p:cSld>
+    <p:spTree>
+      <p:nvGrpSpPr>
+        <p:cNvPr id="1" name="">
+          <a:extLst>
+            <a:ext uri="{FF2B5EF4-FFF2-40B4-BE49-F238E27FC236}">
+              <a16:creationId xmlns:a16="http://schemas.microsoft.com/office/drawing/2014/main" id="{F18E2483-3815-3604-18BE-5664A5900AA9}"/>
+            </a:ext>
+          </a:extLst>
+        </p:cNvPr>
+        <p:cNvGrpSpPr/>
+        <p:nvPr/>
+      </p:nvGrpSpPr>
+      <p:grpSpPr>
+        <a:xfrm>
+          <a:off x="0" y="0"/>
+          <a:ext cx="0" cy="0"/>
+          <a:chOff x="0" y="0"/>
+          <a:chExt cx="0" cy="0"/>
+        </a:xfrm>
+      </p:grpSpPr>
+      <p:sp>
+        <p:nvSpPr>
+          <p:cNvPr id="29" name="Rectangle 155">
+            <a:extLst>
+              <a:ext uri="{FF2B5EF4-FFF2-40B4-BE49-F238E27FC236}">
+                <a16:creationId xmlns:a16="http://schemas.microsoft.com/office/drawing/2014/main" id="{45586F2F-D5FC-F506-D2C3-9AFE186521E1}"/>
+              </a:ext>
+            </a:extLst>
+          </p:cNvPr>
+          <p:cNvSpPr/>
+          <p:nvPr/>
+        </p:nvSpPr>
+        <p:spPr>
+          <a:xfrm>
+            <a:off x="273075" y="211475"/>
+            <a:ext cx="10102565" cy="492443"/>
+          </a:xfrm>
+          <a:prstGeom prst="rect">
+            <a:avLst/>
+          </a:prstGeom>
+        </p:spPr>
+        <p:txBody>
+          <a:bodyPr wrap="square" lIns="0" tIns="0" rIns="0" bIns="0">
+            <a:spAutoFit/>
+          </a:bodyPr>
+          <a:lstStyle/>
+          <a:p>
+            <a:pPr>
+              <a:spcBef>
+                <a:spcPct val="0"/>
+              </a:spcBef>
+            </a:pPr>
+            <a:r>
+              <a:rPr lang="en-US" sz="3200" b="1" dirty="0">
+                <a:solidFill>
+                  <a:srgbClr val="0187CC"/>
+                </a:solidFill>
+                <a:latin typeface="HK Grotesk Bold"/>
+              </a:rPr>
+              <a:t>Employee Management System</a:t>
+            </a:r>
+          </a:p>
+        </p:txBody>
+      </p:sp>
+      <p:pic>
+        <p:nvPicPr>
+          <p:cNvPr id="2" name="Picture 1" descr="Logo&#10;&#10;Description automatically generated">
+            <a:extLst>
+              <a:ext uri="{FF2B5EF4-FFF2-40B4-BE49-F238E27FC236}">
+                <a16:creationId xmlns:a16="http://schemas.microsoft.com/office/drawing/2014/main" id="{8E1D9CE5-91FB-E418-FFC2-5522F5904EFE}"/>
+              </a:ext>
+            </a:extLst>
+          </p:cNvPr>
+          <p:cNvPicPr>
+            <a:picLocks noChangeAspect="1"/>
+          </p:cNvPicPr>
+          <p:nvPr/>
+        </p:nvPicPr>
+        <p:blipFill>
+          <a:blip r:embed="rId2">
+            <a:extLst>
+              <a:ext uri="{28A0092B-C50C-407E-A947-70E740481C1C}">
+                <a14:useLocalDpi xmlns:a14="http://schemas.microsoft.com/office/drawing/2010/main" val="0"/>
+              </a:ext>
+            </a:extLst>
+          </a:blip>
+          <a:stretch>
+            <a:fillRect/>
+          </a:stretch>
+        </p:blipFill>
+        <p:spPr>
+          <a:xfrm>
+            <a:off x="108630" y="6397884"/>
+            <a:ext cx="645766" cy="422937"/>
+          </a:xfrm>
+          <a:prstGeom prst="rect">
+            <a:avLst/>
+          </a:prstGeom>
+        </p:spPr>
+      </p:pic>
+      <p:sp>
+        <p:nvSpPr>
+          <p:cNvPr id="3" name="TextBox 5">
+            <a:extLst>
+              <a:ext uri="{FF2B5EF4-FFF2-40B4-BE49-F238E27FC236}">
+                <a16:creationId xmlns:a16="http://schemas.microsoft.com/office/drawing/2014/main" id="{E9E5E17B-99A8-30BD-2BF5-2AD802C8199D}"/>
+              </a:ext>
+            </a:extLst>
+          </p:cNvPr>
+          <p:cNvSpPr txBox="1"/>
+          <p:nvPr/>
+        </p:nvSpPr>
+        <p:spPr>
+          <a:xfrm>
+            <a:off x="4424757" y="6418579"/>
+            <a:ext cx="6259403" cy="240665"/>
+          </a:xfrm>
+          <a:prstGeom prst="rect">
+            <a:avLst/>
+          </a:prstGeom>
+        </p:spPr>
+        <p:txBody>
+          <a:bodyPr lIns="0" tIns="0" rIns="0" bIns="0" rtlCol="0" anchor="t">
+            <a:spAutoFit/>
+          </a:bodyPr>
+          <a:lstStyle/>
+          <a:p>
+            <a:pPr algn="r">
+              <a:lnSpc>
+                <a:spcPts val="1960"/>
+              </a:lnSpc>
+              <a:spcBef>
+                <a:spcPct val="0"/>
+              </a:spcBef>
+            </a:pPr>
+            <a:r>
+              <a:rPr lang="en-US" sz="1400" spc="140" dirty="0">
+                <a:solidFill>
+                  <a:srgbClr val="000000"/>
+                </a:solidFill>
+                <a:latin typeface="HK Grotesk Light"/>
+              </a:rPr>
+              <a:t>2024 - RPS Consulting all rights reserved</a:t>
+            </a:r>
+          </a:p>
+        </p:txBody>
+      </p:sp>
+      <p:sp>
+        <p:nvSpPr>
+          <p:cNvPr id="6" name="Slide Number Placeholder 5">
+            <a:extLst>
+              <a:ext uri="{FF2B5EF4-FFF2-40B4-BE49-F238E27FC236}">
+                <a16:creationId xmlns:a16="http://schemas.microsoft.com/office/drawing/2014/main" id="{41198E4D-5C57-A6EF-0A14-D1B90BE4C299}"/>
+              </a:ext>
+            </a:extLst>
+          </p:cNvPr>
+          <p:cNvSpPr>
+            <a:spLocks noGrp="1"/>
+          </p:cNvSpPr>
+          <p:nvPr>
+            <p:ph type="sldNum" sz="quarter" idx="12"/>
+          </p:nvPr>
+        </p:nvSpPr>
+        <p:spPr/>
+        <p:txBody>
+          <a:bodyPr/>
+          <a:lstStyle/>
+          <a:p>
+            <a:fld id="{C8F35010-364B-470B-BB6C-DCBBE63D2E54}" type="slidenum">
+              <a:rPr lang="en-US" smtClean="0">
+                <a:solidFill>
+                  <a:schemeClr val="tx1"/>
+                </a:solidFill>
+              </a:rPr>
+              <a:t>20</a:t>
+            </a:fld>
+            <a:endParaRPr lang="en-US" dirty="0">
+              <a:solidFill>
+                <a:schemeClr val="tx1"/>
+              </a:solidFill>
+            </a:endParaRPr>
+          </a:p>
+        </p:txBody>
+      </p:sp>
+      <p:sp>
+        <p:nvSpPr>
+          <p:cNvPr id="4" name="TextBox 3">
+            <a:extLst>
+              <a:ext uri="{FF2B5EF4-FFF2-40B4-BE49-F238E27FC236}">
+                <a16:creationId xmlns:a16="http://schemas.microsoft.com/office/drawing/2014/main" id="{86215533-A281-6791-9398-7C99C676A8E1}"/>
+              </a:ext>
+            </a:extLst>
+          </p:cNvPr>
+          <p:cNvSpPr txBox="1"/>
+          <p:nvPr/>
+        </p:nvSpPr>
+        <p:spPr>
+          <a:xfrm>
+            <a:off x="273075" y="971116"/>
+            <a:ext cx="11080725" cy="1292662"/>
+          </a:xfrm>
+          <a:prstGeom prst="rect">
+            <a:avLst/>
+          </a:prstGeom>
+          <a:noFill/>
+        </p:spPr>
+        <p:txBody>
+          <a:bodyPr wrap="square" rtlCol="0">
+            <a:spAutoFit/>
+          </a:bodyPr>
+          <a:lstStyle>
+            <a:defPPr>
+              <a:defRPr lang="en-US"/>
+            </a:defPPr>
+            <a:lvl1pPr marL="0" algn="l" defTabSz="914400" rtl="0" eaLnBrk="1" latinLnBrk="0" hangingPunct="1">
+              <a:defRPr sz="1800" kern="1200">
+                <a:solidFill>
+                  <a:schemeClr val="tx1"/>
+                </a:solidFill>
+                <a:latin typeface="+mn-lt"/>
+                <a:ea typeface="+mn-ea"/>
+                <a:cs typeface="+mn-cs"/>
+              </a:defRPr>
+            </a:lvl1pPr>
+            <a:lvl2pPr marL="457200" algn="l" defTabSz="914400" rtl="0" eaLnBrk="1" latinLnBrk="0" hangingPunct="1">
+              <a:defRPr sz="1800" kern="1200">
+                <a:solidFill>
+                  <a:schemeClr val="tx1"/>
+                </a:solidFill>
+                <a:latin typeface="+mn-lt"/>
+                <a:ea typeface="+mn-ea"/>
+                <a:cs typeface="+mn-cs"/>
+              </a:defRPr>
+            </a:lvl2pPr>
+            <a:lvl3pPr marL="914400" algn="l" defTabSz="914400" rtl="0" eaLnBrk="1" latinLnBrk="0" hangingPunct="1">
+              <a:defRPr sz="1800" kern="1200">
+                <a:solidFill>
+                  <a:schemeClr val="tx1"/>
+                </a:solidFill>
+                <a:latin typeface="+mn-lt"/>
+                <a:ea typeface="+mn-ea"/>
+                <a:cs typeface="+mn-cs"/>
+              </a:defRPr>
+            </a:lvl3pPr>
+            <a:lvl4pPr marL="1371600" algn="l" defTabSz="914400" rtl="0" eaLnBrk="1" latinLnBrk="0" hangingPunct="1">
+              <a:defRPr sz="1800" kern="1200">
+                <a:solidFill>
+                  <a:schemeClr val="tx1"/>
+                </a:solidFill>
+                <a:latin typeface="+mn-lt"/>
+                <a:ea typeface="+mn-ea"/>
+                <a:cs typeface="+mn-cs"/>
+              </a:defRPr>
+            </a:lvl4pPr>
+            <a:lvl5pPr marL="1828800" algn="l" defTabSz="914400" rtl="0" eaLnBrk="1" latinLnBrk="0" hangingPunct="1">
+              <a:defRPr sz="1800" kern="1200">
+                <a:solidFill>
+                  <a:schemeClr val="tx1"/>
+                </a:solidFill>
+                <a:latin typeface="+mn-lt"/>
+                <a:ea typeface="+mn-ea"/>
+                <a:cs typeface="+mn-cs"/>
+              </a:defRPr>
+            </a:lvl5pPr>
+            <a:lvl6pPr marL="2286000" algn="l" defTabSz="914400" rtl="0" eaLnBrk="1" latinLnBrk="0" hangingPunct="1">
+              <a:defRPr sz="1800" kern="1200">
+                <a:solidFill>
+                  <a:schemeClr val="tx1"/>
+                </a:solidFill>
+                <a:latin typeface="+mn-lt"/>
+                <a:ea typeface="+mn-ea"/>
+                <a:cs typeface="+mn-cs"/>
+              </a:defRPr>
+            </a:lvl6pPr>
+            <a:lvl7pPr marL="2743200" algn="l" defTabSz="914400" rtl="0" eaLnBrk="1" latinLnBrk="0" hangingPunct="1">
+              <a:defRPr sz="1800" kern="1200">
+                <a:solidFill>
+                  <a:schemeClr val="tx1"/>
+                </a:solidFill>
+                <a:latin typeface="+mn-lt"/>
+                <a:ea typeface="+mn-ea"/>
+                <a:cs typeface="+mn-cs"/>
+              </a:defRPr>
+            </a:lvl7pPr>
+            <a:lvl8pPr marL="3200400" algn="l" defTabSz="914400" rtl="0" eaLnBrk="1" latinLnBrk="0" hangingPunct="1">
+              <a:defRPr sz="1800" kern="1200">
+                <a:solidFill>
+                  <a:schemeClr val="tx1"/>
+                </a:solidFill>
+                <a:latin typeface="+mn-lt"/>
+                <a:ea typeface="+mn-ea"/>
+                <a:cs typeface="+mn-cs"/>
+              </a:defRPr>
+            </a:lvl8pPr>
+            <a:lvl9pPr marL="3657600" algn="l" defTabSz="914400" rtl="0" eaLnBrk="1" latinLnBrk="0" hangingPunct="1">
+              <a:defRPr sz="1800" kern="1200">
+                <a:solidFill>
+                  <a:schemeClr val="tx1"/>
+                </a:solidFill>
+                <a:latin typeface="+mn-lt"/>
+                <a:ea typeface="+mn-ea"/>
+                <a:cs typeface="+mn-cs"/>
+              </a:defRPr>
+            </a:lvl9pPr>
+          </a:lstStyle>
+          <a:p>
+            <a:r>
+              <a:rPr lang="en-US" sz="2800" dirty="0">
+                <a:solidFill>
+                  <a:srgbClr val="0187CC"/>
+                </a:solidFill>
+                <a:latin typeface="HK Grotesk"/>
+              </a:rPr>
+              <a:t>Images created in Docker :</a:t>
+            </a:r>
+          </a:p>
+          <a:p>
+            <a:endParaRPr lang="en-US" sz="2800" dirty="0">
+              <a:solidFill>
+                <a:srgbClr val="0187CC"/>
+              </a:solidFill>
+              <a:latin typeface="HK Grotesk"/>
+            </a:endParaRPr>
+          </a:p>
+          <a:p>
+            <a:endParaRPr lang="en-US" sz="2200" dirty="0">
+              <a:solidFill>
+                <a:srgbClr val="0187CC"/>
+              </a:solidFill>
+              <a:latin typeface="HK Grotesk"/>
+            </a:endParaRPr>
+          </a:p>
+        </p:txBody>
+      </p:sp>
+      <p:pic>
+        <p:nvPicPr>
+          <p:cNvPr id="8" name="Picture 7">
+            <a:extLst>
+              <a:ext uri="{FF2B5EF4-FFF2-40B4-BE49-F238E27FC236}">
+                <a16:creationId xmlns:a16="http://schemas.microsoft.com/office/drawing/2014/main" id="{9E3CDD50-55D1-6BF3-DC30-D31372940CE6}"/>
+              </a:ext>
+            </a:extLst>
+          </p:cNvPr>
+          <p:cNvPicPr>
+            <a:picLocks noChangeAspect="1"/>
+          </p:cNvPicPr>
+          <p:nvPr/>
+        </p:nvPicPr>
+        <p:blipFill>
+          <a:blip r:embed="rId3"/>
+          <a:stretch>
+            <a:fillRect/>
+          </a:stretch>
+        </p:blipFill>
+        <p:spPr>
+          <a:xfrm>
+            <a:off x="859821" y="1418910"/>
+            <a:ext cx="9424720" cy="4999669"/>
+          </a:xfrm>
+          <a:prstGeom prst="rect">
+            <a:avLst/>
+          </a:prstGeom>
+        </p:spPr>
+      </p:pic>
+    </p:spTree>
+    <p:extLst>
+      <p:ext uri="{BB962C8B-B14F-4D97-AF65-F5344CB8AC3E}">
+        <p14:creationId xmlns:p14="http://schemas.microsoft.com/office/powerpoint/2010/main" val="3150930178"/>
+      </p:ext>
+    </p:extLst>
+  </p:cSld>
+  <p:clrMapOvr>
+    <a:masterClrMapping/>
+  </p:clrMapOvr>
+</p:sld>
+</file>
+
+<file path=ppt/slides/slide21.xml><?xml version="1.0" encoding="utf-8"?>
+<p:sld xmlns:a="http://schemas.openxmlformats.org/drawingml/2006/main" xmlns:r="http://schemas.openxmlformats.org/officeDocument/2006/relationships" xmlns:p="http://schemas.openxmlformats.org/presentationml/2006/main">
+  <p:cSld>
+    <p:spTree>
+      <p:nvGrpSpPr>
+        <p:cNvPr id="1" name="">
+          <a:extLst>
+            <a:ext uri="{FF2B5EF4-FFF2-40B4-BE49-F238E27FC236}">
+              <a16:creationId xmlns:a16="http://schemas.microsoft.com/office/drawing/2014/main" id="{83F16862-9452-F8CB-D79E-F3D2008427FA}"/>
+            </a:ext>
+          </a:extLst>
+        </p:cNvPr>
+        <p:cNvGrpSpPr/>
+        <p:nvPr/>
+      </p:nvGrpSpPr>
+      <p:grpSpPr>
+        <a:xfrm>
+          <a:off x="0" y="0"/>
+          <a:ext cx="0" cy="0"/>
+          <a:chOff x="0" y="0"/>
+          <a:chExt cx="0" cy="0"/>
+        </a:xfrm>
+      </p:grpSpPr>
+      <p:sp>
+        <p:nvSpPr>
+          <p:cNvPr id="29" name="Rectangle 155">
+            <a:extLst>
+              <a:ext uri="{FF2B5EF4-FFF2-40B4-BE49-F238E27FC236}">
+                <a16:creationId xmlns:a16="http://schemas.microsoft.com/office/drawing/2014/main" id="{6AB81E75-B7DA-A719-D5E8-BB989B123E49}"/>
+              </a:ext>
+            </a:extLst>
+          </p:cNvPr>
+          <p:cNvSpPr/>
+          <p:nvPr/>
+        </p:nvSpPr>
+        <p:spPr>
+          <a:xfrm>
+            <a:off x="273075" y="211475"/>
+            <a:ext cx="10102565" cy="492443"/>
+          </a:xfrm>
+          <a:prstGeom prst="rect">
+            <a:avLst/>
+          </a:prstGeom>
+        </p:spPr>
+        <p:txBody>
+          <a:bodyPr wrap="square" lIns="0" tIns="0" rIns="0" bIns="0">
+            <a:spAutoFit/>
+          </a:bodyPr>
+          <a:lstStyle/>
+          <a:p>
+            <a:pPr>
+              <a:spcBef>
+                <a:spcPct val="0"/>
+              </a:spcBef>
+            </a:pPr>
+            <a:r>
+              <a:rPr lang="en-US" sz="3200" b="1" dirty="0">
+                <a:solidFill>
+                  <a:srgbClr val="0187CC"/>
+                </a:solidFill>
+                <a:latin typeface="HK Grotesk Bold"/>
+              </a:rPr>
+              <a:t>Employee Management System</a:t>
+            </a:r>
+          </a:p>
+        </p:txBody>
+      </p:sp>
+      <p:pic>
+        <p:nvPicPr>
+          <p:cNvPr id="2" name="Picture 1" descr="Logo&#10;&#10;Description automatically generated">
+            <a:extLst>
+              <a:ext uri="{FF2B5EF4-FFF2-40B4-BE49-F238E27FC236}">
+                <a16:creationId xmlns:a16="http://schemas.microsoft.com/office/drawing/2014/main" id="{CC16EDBA-0B80-E61A-D292-F345C831153C}"/>
+              </a:ext>
+            </a:extLst>
+          </p:cNvPr>
+          <p:cNvPicPr>
+            <a:picLocks noChangeAspect="1"/>
+          </p:cNvPicPr>
+          <p:nvPr/>
+        </p:nvPicPr>
+        <p:blipFill>
+          <a:blip r:embed="rId2">
+            <a:extLst>
+              <a:ext uri="{28A0092B-C50C-407E-A947-70E740481C1C}">
+                <a14:useLocalDpi xmlns:a14="http://schemas.microsoft.com/office/drawing/2010/main" val="0"/>
+              </a:ext>
+            </a:extLst>
+          </a:blip>
+          <a:stretch>
+            <a:fillRect/>
+          </a:stretch>
+        </p:blipFill>
+        <p:spPr>
+          <a:xfrm>
+            <a:off x="108630" y="6397884"/>
+            <a:ext cx="645766" cy="422937"/>
+          </a:xfrm>
+          <a:prstGeom prst="rect">
+            <a:avLst/>
+          </a:prstGeom>
+        </p:spPr>
+      </p:pic>
+      <p:sp>
+        <p:nvSpPr>
+          <p:cNvPr id="3" name="TextBox 5">
+            <a:extLst>
+              <a:ext uri="{FF2B5EF4-FFF2-40B4-BE49-F238E27FC236}">
+                <a16:creationId xmlns:a16="http://schemas.microsoft.com/office/drawing/2014/main" id="{65BAD11B-E359-BC0C-56A0-83675D9A8577}"/>
+              </a:ext>
+            </a:extLst>
+          </p:cNvPr>
+          <p:cNvSpPr txBox="1"/>
+          <p:nvPr/>
+        </p:nvSpPr>
+        <p:spPr>
+          <a:xfrm>
+            <a:off x="4424757" y="6418579"/>
+            <a:ext cx="6259403" cy="240665"/>
+          </a:xfrm>
+          <a:prstGeom prst="rect">
+            <a:avLst/>
+          </a:prstGeom>
+        </p:spPr>
+        <p:txBody>
+          <a:bodyPr lIns="0" tIns="0" rIns="0" bIns="0" rtlCol="0" anchor="t">
+            <a:spAutoFit/>
+          </a:bodyPr>
+          <a:lstStyle/>
+          <a:p>
+            <a:pPr algn="r">
+              <a:lnSpc>
+                <a:spcPts val="1960"/>
+              </a:lnSpc>
+              <a:spcBef>
+                <a:spcPct val="0"/>
+              </a:spcBef>
+            </a:pPr>
+            <a:r>
+              <a:rPr lang="en-US" sz="1400" spc="140" dirty="0">
+                <a:solidFill>
+                  <a:srgbClr val="000000"/>
+                </a:solidFill>
+                <a:latin typeface="HK Grotesk Light"/>
+              </a:rPr>
+              <a:t>2024 - RPS Consulting all rights reserved</a:t>
+            </a:r>
+          </a:p>
+        </p:txBody>
+      </p:sp>
+      <p:sp>
+        <p:nvSpPr>
+          <p:cNvPr id="6" name="Slide Number Placeholder 5">
+            <a:extLst>
+              <a:ext uri="{FF2B5EF4-FFF2-40B4-BE49-F238E27FC236}">
+                <a16:creationId xmlns:a16="http://schemas.microsoft.com/office/drawing/2014/main" id="{01BA581E-EA16-E3D1-245F-BD9DCF1A9D28}"/>
+              </a:ext>
+            </a:extLst>
+          </p:cNvPr>
+          <p:cNvSpPr>
+            <a:spLocks noGrp="1"/>
+          </p:cNvSpPr>
+          <p:nvPr>
+            <p:ph type="sldNum" sz="quarter" idx="12"/>
+          </p:nvPr>
+        </p:nvSpPr>
+        <p:spPr/>
+        <p:txBody>
+          <a:bodyPr/>
+          <a:lstStyle/>
+          <a:p>
+            <a:fld id="{C8F35010-364B-470B-BB6C-DCBBE63D2E54}" type="slidenum">
+              <a:rPr lang="en-US" smtClean="0">
+                <a:solidFill>
+                  <a:schemeClr val="tx1"/>
+                </a:solidFill>
+              </a:rPr>
+              <a:t>21</a:t>
+            </a:fld>
+            <a:endParaRPr lang="en-US" dirty="0">
+              <a:solidFill>
+                <a:schemeClr val="tx1"/>
+              </a:solidFill>
+            </a:endParaRPr>
+          </a:p>
+        </p:txBody>
+      </p:sp>
+      <p:sp>
+        <p:nvSpPr>
+          <p:cNvPr id="4" name="TextBox 3">
+            <a:extLst>
+              <a:ext uri="{FF2B5EF4-FFF2-40B4-BE49-F238E27FC236}">
+                <a16:creationId xmlns:a16="http://schemas.microsoft.com/office/drawing/2014/main" id="{BBC82C6D-1E31-12A5-0632-62DD699A41B4}"/>
+              </a:ext>
+            </a:extLst>
+          </p:cNvPr>
+          <p:cNvSpPr txBox="1"/>
+          <p:nvPr/>
+        </p:nvSpPr>
+        <p:spPr>
+          <a:xfrm>
+            <a:off x="273075" y="971116"/>
+            <a:ext cx="11080725" cy="1292662"/>
+          </a:xfrm>
+          <a:prstGeom prst="rect">
+            <a:avLst/>
+          </a:prstGeom>
+          <a:noFill/>
+        </p:spPr>
+        <p:txBody>
+          <a:bodyPr wrap="square" rtlCol="0">
+            <a:spAutoFit/>
+          </a:bodyPr>
+          <a:lstStyle>
+            <a:defPPr>
+              <a:defRPr lang="en-US"/>
+            </a:defPPr>
+            <a:lvl1pPr marL="0" algn="l" defTabSz="914400" rtl="0" eaLnBrk="1" latinLnBrk="0" hangingPunct="1">
+              <a:defRPr sz="1800" kern="1200">
+                <a:solidFill>
+                  <a:schemeClr val="tx1"/>
+                </a:solidFill>
+                <a:latin typeface="+mn-lt"/>
+                <a:ea typeface="+mn-ea"/>
+                <a:cs typeface="+mn-cs"/>
+              </a:defRPr>
+            </a:lvl1pPr>
+            <a:lvl2pPr marL="457200" algn="l" defTabSz="914400" rtl="0" eaLnBrk="1" latinLnBrk="0" hangingPunct="1">
+              <a:defRPr sz="1800" kern="1200">
+                <a:solidFill>
+                  <a:schemeClr val="tx1"/>
+                </a:solidFill>
+                <a:latin typeface="+mn-lt"/>
+                <a:ea typeface="+mn-ea"/>
+                <a:cs typeface="+mn-cs"/>
+              </a:defRPr>
+            </a:lvl2pPr>
+            <a:lvl3pPr marL="914400" algn="l" defTabSz="914400" rtl="0" eaLnBrk="1" latinLnBrk="0" hangingPunct="1">
+              <a:defRPr sz="1800" kern="1200">
+                <a:solidFill>
+                  <a:schemeClr val="tx1"/>
+                </a:solidFill>
+                <a:latin typeface="+mn-lt"/>
+                <a:ea typeface="+mn-ea"/>
+                <a:cs typeface="+mn-cs"/>
+              </a:defRPr>
+            </a:lvl3pPr>
+            <a:lvl4pPr marL="1371600" algn="l" defTabSz="914400" rtl="0" eaLnBrk="1" latinLnBrk="0" hangingPunct="1">
+              <a:defRPr sz="1800" kern="1200">
+                <a:solidFill>
+                  <a:schemeClr val="tx1"/>
+                </a:solidFill>
+                <a:latin typeface="+mn-lt"/>
+                <a:ea typeface="+mn-ea"/>
+                <a:cs typeface="+mn-cs"/>
+              </a:defRPr>
+            </a:lvl4pPr>
+            <a:lvl5pPr marL="1828800" algn="l" defTabSz="914400" rtl="0" eaLnBrk="1" latinLnBrk="0" hangingPunct="1">
+              <a:defRPr sz="1800" kern="1200">
+                <a:solidFill>
+                  <a:schemeClr val="tx1"/>
+                </a:solidFill>
+                <a:latin typeface="+mn-lt"/>
+                <a:ea typeface="+mn-ea"/>
+                <a:cs typeface="+mn-cs"/>
+              </a:defRPr>
+            </a:lvl5pPr>
+            <a:lvl6pPr marL="2286000" algn="l" defTabSz="914400" rtl="0" eaLnBrk="1" latinLnBrk="0" hangingPunct="1">
+              <a:defRPr sz="1800" kern="1200">
+                <a:solidFill>
+                  <a:schemeClr val="tx1"/>
+                </a:solidFill>
+                <a:latin typeface="+mn-lt"/>
+                <a:ea typeface="+mn-ea"/>
+                <a:cs typeface="+mn-cs"/>
+              </a:defRPr>
+            </a:lvl6pPr>
+            <a:lvl7pPr marL="2743200" algn="l" defTabSz="914400" rtl="0" eaLnBrk="1" latinLnBrk="0" hangingPunct="1">
+              <a:defRPr sz="1800" kern="1200">
+                <a:solidFill>
+                  <a:schemeClr val="tx1"/>
+                </a:solidFill>
+                <a:latin typeface="+mn-lt"/>
+                <a:ea typeface="+mn-ea"/>
+                <a:cs typeface="+mn-cs"/>
+              </a:defRPr>
+            </a:lvl7pPr>
+            <a:lvl8pPr marL="3200400" algn="l" defTabSz="914400" rtl="0" eaLnBrk="1" latinLnBrk="0" hangingPunct="1">
+              <a:defRPr sz="1800" kern="1200">
+                <a:solidFill>
+                  <a:schemeClr val="tx1"/>
+                </a:solidFill>
+                <a:latin typeface="+mn-lt"/>
+                <a:ea typeface="+mn-ea"/>
+                <a:cs typeface="+mn-cs"/>
+              </a:defRPr>
+            </a:lvl8pPr>
+            <a:lvl9pPr marL="3657600" algn="l" defTabSz="914400" rtl="0" eaLnBrk="1" latinLnBrk="0" hangingPunct="1">
+              <a:defRPr sz="1800" kern="1200">
+                <a:solidFill>
+                  <a:schemeClr val="tx1"/>
+                </a:solidFill>
+                <a:latin typeface="+mn-lt"/>
+                <a:ea typeface="+mn-ea"/>
+                <a:cs typeface="+mn-cs"/>
+              </a:defRPr>
+            </a:lvl9pPr>
+          </a:lstStyle>
+          <a:p>
+            <a:r>
+              <a:rPr lang="en-US" sz="2800" dirty="0">
+                <a:solidFill>
+                  <a:srgbClr val="0187CC"/>
+                </a:solidFill>
+                <a:latin typeface="HK Grotesk"/>
+              </a:rPr>
+              <a:t>3 images running inside container in Docker :</a:t>
+            </a:r>
+          </a:p>
+          <a:p>
+            <a:endParaRPr lang="en-US" sz="2800" dirty="0">
+              <a:solidFill>
+                <a:srgbClr val="0187CC"/>
+              </a:solidFill>
+              <a:latin typeface="HK Grotesk"/>
+            </a:endParaRPr>
+          </a:p>
+          <a:p>
+            <a:endParaRPr lang="en-US" sz="2200" dirty="0">
+              <a:solidFill>
+                <a:srgbClr val="0187CC"/>
+              </a:solidFill>
+              <a:latin typeface="HK Grotesk"/>
+            </a:endParaRPr>
+          </a:p>
+        </p:txBody>
+      </p:sp>
+      <p:pic>
+        <p:nvPicPr>
+          <p:cNvPr id="7" name="Picture 6">
+            <a:extLst>
+              <a:ext uri="{FF2B5EF4-FFF2-40B4-BE49-F238E27FC236}">
+                <a16:creationId xmlns:a16="http://schemas.microsoft.com/office/drawing/2014/main" id="{0494B52E-B9DA-8845-A0EB-2C969C69B3EC}"/>
+              </a:ext>
+            </a:extLst>
+          </p:cNvPr>
+          <p:cNvPicPr>
+            <a:picLocks noChangeAspect="1"/>
+          </p:cNvPicPr>
+          <p:nvPr/>
+        </p:nvPicPr>
+        <p:blipFill>
+          <a:blip r:embed="rId3"/>
+          <a:stretch>
+            <a:fillRect/>
+          </a:stretch>
+        </p:blipFill>
+        <p:spPr>
+          <a:xfrm>
+            <a:off x="754396" y="1379160"/>
+            <a:ext cx="9497961" cy="5018724"/>
+          </a:xfrm>
+          <a:prstGeom prst="rect">
+            <a:avLst/>
+          </a:prstGeom>
+        </p:spPr>
+      </p:pic>
+    </p:spTree>
+    <p:extLst>
+      <p:ext uri="{BB962C8B-B14F-4D97-AF65-F5344CB8AC3E}">
+        <p14:creationId xmlns:p14="http://schemas.microsoft.com/office/powerpoint/2010/main" val="4171288535"/>
+      </p:ext>
+    </p:extLst>
+  </p:cSld>
+  <p:clrMapOvr>
+    <a:masterClrMapping/>
+  </p:clrMapOvr>
+</p:sld>
+</file>
+
+<file path=ppt/slides/slide22.xml><?xml version="1.0" encoding="utf-8"?>
+<p:sld xmlns:a="http://schemas.openxmlformats.org/drawingml/2006/main" xmlns:r="http://schemas.openxmlformats.org/officeDocument/2006/relationships" xmlns:p="http://schemas.openxmlformats.org/presentationml/2006/main">
+  <p:cSld>
+    <p:spTree>
+      <p:nvGrpSpPr>
+        <p:cNvPr id="1" name="">
+          <a:extLst>
+            <a:ext uri="{FF2B5EF4-FFF2-40B4-BE49-F238E27FC236}">
+              <a16:creationId xmlns:a16="http://schemas.microsoft.com/office/drawing/2014/main" id="{CD9AFE7D-C768-CDDE-19CD-3ADB03E6C602}"/>
+            </a:ext>
+          </a:extLst>
+        </p:cNvPr>
+        <p:cNvGrpSpPr/>
+        <p:nvPr/>
+      </p:nvGrpSpPr>
+      <p:grpSpPr>
+        <a:xfrm>
+          <a:off x="0" y="0"/>
+          <a:ext cx="0" cy="0"/>
+          <a:chOff x="0" y="0"/>
+          <a:chExt cx="0" cy="0"/>
+        </a:xfrm>
+      </p:grpSpPr>
+      <p:sp>
+        <p:nvSpPr>
+          <p:cNvPr id="29" name="Rectangle 155">
+            <a:extLst>
+              <a:ext uri="{FF2B5EF4-FFF2-40B4-BE49-F238E27FC236}">
+                <a16:creationId xmlns:a16="http://schemas.microsoft.com/office/drawing/2014/main" id="{76081F14-C7BC-9A52-2A85-ED4943AE69FC}"/>
+              </a:ext>
+            </a:extLst>
+          </p:cNvPr>
+          <p:cNvSpPr/>
+          <p:nvPr/>
+        </p:nvSpPr>
+        <p:spPr>
+          <a:xfrm>
+            <a:off x="273075" y="211475"/>
+            <a:ext cx="10102565" cy="492443"/>
+          </a:xfrm>
+          <a:prstGeom prst="rect">
+            <a:avLst/>
+          </a:prstGeom>
+        </p:spPr>
+        <p:txBody>
+          <a:bodyPr wrap="square" lIns="0" tIns="0" rIns="0" bIns="0">
+            <a:spAutoFit/>
+          </a:bodyPr>
+          <a:lstStyle/>
+          <a:p>
+            <a:pPr>
+              <a:spcBef>
+                <a:spcPct val="0"/>
+              </a:spcBef>
+            </a:pPr>
+            <a:r>
+              <a:rPr lang="en-US" sz="3200" b="1" dirty="0">
+                <a:solidFill>
+                  <a:srgbClr val="0187CC"/>
+                </a:solidFill>
+                <a:latin typeface="HK Grotesk Bold"/>
+              </a:rPr>
+              <a:t>Employee Management System</a:t>
+            </a:r>
+          </a:p>
+        </p:txBody>
+      </p:sp>
+      <p:pic>
+        <p:nvPicPr>
+          <p:cNvPr id="2" name="Picture 1" descr="Logo&#10;&#10;Description automatically generated">
+            <a:extLst>
+              <a:ext uri="{FF2B5EF4-FFF2-40B4-BE49-F238E27FC236}">
+                <a16:creationId xmlns:a16="http://schemas.microsoft.com/office/drawing/2014/main" id="{24372B1C-1665-040F-E632-B15027241B18}"/>
+              </a:ext>
+            </a:extLst>
+          </p:cNvPr>
+          <p:cNvPicPr>
+            <a:picLocks noChangeAspect="1"/>
+          </p:cNvPicPr>
+          <p:nvPr/>
+        </p:nvPicPr>
+        <p:blipFill>
+          <a:blip r:embed="rId2">
+            <a:extLst>
+              <a:ext uri="{28A0092B-C50C-407E-A947-70E740481C1C}">
+                <a14:useLocalDpi xmlns:a14="http://schemas.microsoft.com/office/drawing/2010/main" val="0"/>
+              </a:ext>
+            </a:extLst>
+          </a:blip>
+          <a:stretch>
+            <a:fillRect/>
+          </a:stretch>
+        </p:blipFill>
+        <p:spPr>
+          <a:xfrm>
+            <a:off x="108630" y="6397884"/>
+            <a:ext cx="645766" cy="422937"/>
+          </a:xfrm>
+          <a:prstGeom prst="rect">
+            <a:avLst/>
+          </a:prstGeom>
+        </p:spPr>
+      </p:pic>
+      <p:sp>
+        <p:nvSpPr>
+          <p:cNvPr id="3" name="TextBox 5">
+            <a:extLst>
+              <a:ext uri="{FF2B5EF4-FFF2-40B4-BE49-F238E27FC236}">
+                <a16:creationId xmlns:a16="http://schemas.microsoft.com/office/drawing/2014/main" id="{0C81609B-9C47-89AD-7825-CFC5A6282928}"/>
+              </a:ext>
+            </a:extLst>
+          </p:cNvPr>
+          <p:cNvSpPr txBox="1"/>
+          <p:nvPr/>
+        </p:nvSpPr>
+        <p:spPr>
+          <a:xfrm>
+            <a:off x="4424757" y="6418579"/>
+            <a:ext cx="6259403" cy="240665"/>
+          </a:xfrm>
+          <a:prstGeom prst="rect">
+            <a:avLst/>
+          </a:prstGeom>
+        </p:spPr>
+        <p:txBody>
+          <a:bodyPr lIns="0" tIns="0" rIns="0" bIns="0" rtlCol="0" anchor="t">
+            <a:spAutoFit/>
+          </a:bodyPr>
+          <a:lstStyle/>
+          <a:p>
+            <a:pPr algn="r">
+              <a:lnSpc>
+                <a:spcPts val="1960"/>
+              </a:lnSpc>
+              <a:spcBef>
+                <a:spcPct val="0"/>
+              </a:spcBef>
+            </a:pPr>
+            <a:r>
+              <a:rPr lang="en-US" sz="1400" spc="140" dirty="0">
+                <a:solidFill>
+                  <a:srgbClr val="000000"/>
+                </a:solidFill>
+                <a:latin typeface="HK Grotesk Light"/>
+              </a:rPr>
+              <a:t>2024 - RPS Consulting all rights reserved</a:t>
+            </a:r>
+          </a:p>
+        </p:txBody>
+      </p:sp>
+      <p:sp>
+        <p:nvSpPr>
+          <p:cNvPr id="6" name="Slide Number Placeholder 5">
+            <a:extLst>
+              <a:ext uri="{FF2B5EF4-FFF2-40B4-BE49-F238E27FC236}">
+                <a16:creationId xmlns:a16="http://schemas.microsoft.com/office/drawing/2014/main" id="{50F08F1C-D97B-AE64-2058-479919EBFE15}"/>
+              </a:ext>
+            </a:extLst>
+          </p:cNvPr>
+          <p:cNvSpPr>
+            <a:spLocks noGrp="1"/>
+          </p:cNvSpPr>
+          <p:nvPr>
+            <p:ph type="sldNum" sz="quarter" idx="12"/>
+          </p:nvPr>
+        </p:nvSpPr>
+        <p:spPr/>
+        <p:txBody>
+          <a:bodyPr/>
+          <a:lstStyle/>
+          <a:p>
+            <a:fld id="{C8F35010-364B-470B-BB6C-DCBBE63D2E54}" type="slidenum">
+              <a:rPr lang="en-US" smtClean="0">
+                <a:solidFill>
+                  <a:schemeClr val="tx1"/>
+                </a:solidFill>
+              </a:rPr>
+              <a:t>22</a:t>
+            </a:fld>
+            <a:endParaRPr lang="en-US" dirty="0">
+              <a:solidFill>
+                <a:schemeClr val="tx1"/>
+              </a:solidFill>
+            </a:endParaRPr>
+          </a:p>
+        </p:txBody>
+      </p:sp>
+      <p:sp>
+        <p:nvSpPr>
+          <p:cNvPr id="4" name="TextBox 3">
+            <a:extLst>
+              <a:ext uri="{FF2B5EF4-FFF2-40B4-BE49-F238E27FC236}">
+                <a16:creationId xmlns:a16="http://schemas.microsoft.com/office/drawing/2014/main" id="{4E4C4354-1B1E-2625-163A-F8750E2EBE57}"/>
+              </a:ext>
+            </a:extLst>
+          </p:cNvPr>
+          <p:cNvSpPr txBox="1"/>
+          <p:nvPr/>
+        </p:nvSpPr>
+        <p:spPr>
+          <a:xfrm>
+            <a:off x="273075" y="971116"/>
+            <a:ext cx="11080725" cy="1292662"/>
+          </a:xfrm>
+          <a:prstGeom prst="rect">
+            <a:avLst/>
+          </a:prstGeom>
+          <a:noFill/>
+        </p:spPr>
+        <p:txBody>
+          <a:bodyPr wrap="square" rtlCol="0">
+            <a:spAutoFit/>
+          </a:bodyPr>
+          <a:lstStyle>
+            <a:defPPr>
+              <a:defRPr lang="en-US"/>
+            </a:defPPr>
+            <a:lvl1pPr marL="0" algn="l" defTabSz="914400" rtl="0" eaLnBrk="1" latinLnBrk="0" hangingPunct="1">
+              <a:defRPr sz="1800" kern="1200">
+                <a:solidFill>
+                  <a:schemeClr val="tx1"/>
+                </a:solidFill>
+                <a:latin typeface="+mn-lt"/>
+                <a:ea typeface="+mn-ea"/>
+                <a:cs typeface="+mn-cs"/>
+              </a:defRPr>
+            </a:lvl1pPr>
+            <a:lvl2pPr marL="457200" algn="l" defTabSz="914400" rtl="0" eaLnBrk="1" latinLnBrk="0" hangingPunct="1">
+              <a:defRPr sz="1800" kern="1200">
+                <a:solidFill>
+                  <a:schemeClr val="tx1"/>
+                </a:solidFill>
+                <a:latin typeface="+mn-lt"/>
+                <a:ea typeface="+mn-ea"/>
+                <a:cs typeface="+mn-cs"/>
+              </a:defRPr>
+            </a:lvl2pPr>
+            <a:lvl3pPr marL="914400" algn="l" defTabSz="914400" rtl="0" eaLnBrk="1" latinLnBrk="0" hangingPunct="1">
+              <a:defRPr sz="1800" kern="1200">
+                <a:solidFill>
+                  <a:schemeClr val="tx1"/>
+                </a:solidFill>
+                <a:latin typeface="+mn-lt"/>
+                <a:ea typeface="+mn-ea"/>
+                <a:cs typeface="+mn-cs"/>
+              </a:defRPr>
+            </a:lvl3pPr>
+            <a:lvl4pPr marL="1371600" algn="l" defTabSz="914400" rtl="0" eaLnBrk="1" latinLnBrk="0" hangingPunct="1">
+              <a:defRPr sz="1800" kern="1200">
+                <a:solidFill>
+                  <a:schemeClr val="tx1"/>
+                </a:solidFill>
+                <a:latin typeface="+mn-lt"/>
+                <a:ea typeface="+mn-ea"/>
+                <a:cs typeface="+mn-cs"/>
+              </a:defRPr>
+            </a:lvl4pPr>
+            <a:lvl5pPr marL="1828800" algn="l" defTabSz="914400" rtl="0" eaLnBrk="1" latinLnBrk="0" hangingPunct="1">
+              <a:defRPr sz="1800" kern="1200">
+                <a:solidFill>
+                  <a:schemeClr val="tx1"/>
+                </a:solidFill>
+                <a:latin typeface="+mn-lt"/>
+                <a:ea typeface="+mn-ea"/>
+                <a:cs typeface="+mn-cs"/>
+              </a:defRPr>
+            </a:lvl5pPr>
+            <a:lvl6pPr marL="2286000" algn="l" defTabSz="914400" rtl="0" eaLnBrk="1" latinLnBrk="0" hangingPunct="1">
+              <a:defRPr sz="1800" kern="1200">
+                <a:solidFill>
+                  <a:schemeClr val="tx1"/>
+                </a:solidFill>
+                <a:latin typeface="+mn-lt"/>
+                <a:ea typeface="+mn-ea"/>
+                <a:cs typeface="+mn-cs"/>
+              </a:defRPr>
+            </a:lvl6pPr>
+            <a:lvl7pPr marL="2743200" algn="l" defTabSz="914400" rtl="0" eaLnBrk="1" latinLnBrk="0" hangingPunct="1">
+              <a:defRPr sz="1800" kern="1200">
+                <a:solidFill>
+                  <a:schemeClr val="tx1"/>
+                </a:solidFill>
+                <a:latin typeface="+mn-lt"/>
+                <a:ea typeface="+mn-ea"/>
+                <a:cs typeface="+mn-cs"/>
+              </a:defRPr>
+            </a:lvl7pPr>
+            <a:lvl8pPr marL="3200400" algn="l" defTabSz="914400" rtl="0" eaLnBrk="1" latinLnBrk="0" hangingPunct="1">
+              <a:defRPr sz="1800" kern="1200">
+                <a:solidFill>
+                  <a:schemeClr val="tx1"/>
+                </a:solidFill>
+                <a:latin typeface="+mn-lt"/>
+                <a:ea typeface="+mn-ea"/>
+                <a:cs typeface="+mn-cs"/>
+              </a:defRPr>
+            </a:lvl8pPr>
+            <a:lvl9pPr marL="3657600" algn="l" defTabSz="914400" rtl="0" eaLnBrk="1" latinLnBrk="0" hangingPunct="1">
+              <a:defRPr sz="1800" kern="1200">
+                <a:solidFill>
+                  <a:schemeClr val="tx1"/>
+                </a:solidFill>
+                <a:latin typeface="+mn-lt"/>
+                <a:ea typeface="+mn-ea"/>
+                <a:cs typeface="+mn-cs"/>
+              </a:defRPr>
+            </a:lvl9pPr>
+          </a:lstStyle>
+          <a:p>
+            <a:r>
+              <a:rPr lang="en-US" sz="2800" dirty="0">
+                <a:solidFill>
+                  <a:srgbClr val="0187CC"/>
+                </a:solidFill>
+                <a:latin typeface="HK Grotesk"/>
+              </a:rPr>
+              <a:t>Created </a:t>
+            </a:r>
+            <a:r>
+              <a:rPr lang="en-US" sz="2800" dirty="0" err="1">
+                <a:solidFill>
+                  <a:srgbClr val="0187CC"/>
+                </a:solidFill>
+                <a:latin typeface="HK Grotesk"/>
+              </a:rPr>
+              <a:t>Appservice</a:t>
+            </a:r>
+            <a:r>
+              <a:rPr lang="en-US" sz="2800" dirty="0">
+                <a:solidFill>
+                  <a:srgbClr val="0187CC"/>
+                </a:solidFill>
+                <a:latin typeface="HK Grotesk"/>
+              </a:rPr>
+              <a:t> in Azure:</a:t>
+            </a:r>
+          </a:p>
+          <a:p>
+            <a:endParaRPr lang="en-US" sz="2800" dirty="0">
+              <a:solidFill>
+                <a:srgbClr val="0187CC"/>
+              </a:solidFill>
+              <a:latin typeface="HK Grotesk"/>
+            </a:endParaRPr>
+          </a:p>
+          <a:p>
+            <a:endParaRPr lang="en-US" sz="2200" dirty="0">
+              <a:solidFill>
+                <a:srgbClr val="0187CC"/>
+              </a:solidFill>
+              <a:latin typeface="HK Grotesk"/>
+            </a:endParaRPr>
+          </a:p>
+        </p:txBody>
+      </p:sp>
+      <p:pic>
+        <p:nvPicPr>
+          <p:cNvPr id="8" name="Picture 7">
+            <a:extLst>
+              <a:ext uri="{FF2B5EF4-FFF2-40B4-BE49-F238E27FC236}">
+                <a16:creationId xmlns:a16="http://schemas.microsoft.com/office/drawing/2014/main" id="{9F55ADB1-284C-D3C2-4F3B-C6A28E1B1F79}"/>
+              </a:ext>
+            </a:extLst>
+          </p:cNvPr>
+          <p:cNvPicPr>
+            <a:picLocks noChangeAspect="1"/>
+          </p:cNvPicPr>
+          <p:nvPr/>
+        </p:nvPicPr>
+        <p:blipFill>
+          <a:blip r:embed="rId3"/>
+          <a:stretch>
+            <a:fillRect/>
+          </a:stretch>
+        </p:blipFill>
+        <p:spPr>
+          <a:xfrm>
+            <a:off x="838200" y="1490918"/>
+            <a:ext cx="10631307" cy="4803201"/>
+          </a:xfrm>
+          <a:prstGeom prst="rect">
+            <a:avLst/>
+          </a:prstGeom>
+        </p:spPr>
+      </p:pic>
+    </p:spTree>
+    <p:extLst>
+      <p:ext uri="{BB962C8B-B14F-4D97-AF65-F5344CB8AC3E}">
+        <p14:creationId xmlns:p14="http://schemas.microsoft.com/office/powerpoint/2010/main" val="1304498220"/>
+      </p:ext>
+    </p:extLst>
+  </p:cSld>
+  <p:clrMapOvr>
+    <a:masterClrMapping/>
+  </p:clrMapOvr>
+</p:sld>
+</file>
+
+<file path=ppt/slides/slide23.xml><?xml version="1.0" encoding="utf-8"?>
+<p:sld xmlns:a="http://schemas.openxmlformats.org/drawingml/2006/main" xmlns:r="http://schemas.openxmlformats.org/officeDocument/2006/relationships" xmlns:p="http://schemas.openxmlformats.org/presentationml/2006/main">
+  <p:cSld>
+    <p:spTree>
+      <p:nvGrpSpPr>
+        <p:cNvPr id="1" name="">
+          <a:extLst>
+            <a:ext uri="{FF2B5EF4-FFF2-40B4-BE49-F238E27FC236}">
+              <a16:creationId xmlns:a16="http://schemas.microsoft.com/office/drawing/2014/main" id="{F85EFF38-0C91-EF33-6937-02D2FA12E80D}"/>
+            </a:ext>
+          </a:extLst>
+        </p:cNvPr>
+        <p:cNvGrpSpPr/>
+        <p:nvPr/>
+      </p:nvGrpSpPr>
+      <p:grpSpPr>
+        <a:xfrm>
+          <a:off x="0" y="0"/>
+          <a:ext cx="0" cy="0"/>
+          <a:chOff x="0" y="0"/>
+          <a:chExt cx="0" cy="0"/>
+        </a:xfrm>
+      </p:grpSpPr>
+      <p:sp>
+        <p:nvSpPr>
+          <p:cNvPr id="29" name="Rectangle 155">
+            <a:extLst>
+              <a:ext uri="{FF2B5EF4-FFF2-40B4-BE49-F238E27FC236}">
+                <a16:creationId xmlns:a16="http://schemas.microsoft.com/office/drawing/2014/main" id="{54F707A9-77DC-DE9B-B937-22351ED74C22}"/>
+              </a:ext>
+            </a:extLst>
+          </p:cNvPr>
+          <p:cNvSpPr/>
+          <p:nvPr/>
+        </p:nvSpPr>
+        <p:spPr>
+          <a:xfrm>
+            <a:off x="273075" y="211475"/>
+            <a:ext cx="10102565" cy="492443"/>
+          </a:xfrm>
+          <a:prstGeom prst="rect">
+            <a:avLst/>
+          </a:prstGeom>
+        </p:spPr>
+        <p:txBody>
+          <a:bodyPr wrap="square" lIns="0" tIns="0" rIns="0" bIns="0">
+            <a:spAutoFit/>
+          </a:bodyPr>
+          <a:lstStyle/>
+          <a:p>
+            <a:pPr>
+              <a:spcBef>
+                <a:spcPct val="0"/>
+              </a:spcBef>
+            </a:pPr>
+            <a:r>
+              <a:rPr lang="en-US" sz="3200" b="1" dirty="0">
+                <a:solidFill>
+                  <a:srgbClr val="0187CC"/>
+                </a:solidFill>
+                <a:latin typeface="HK Grotesk Bold"/>
+              </a:rPr>
+              <a:t>Employee Management System</a:t>
+            </a:r>
+          </a:p>
+        </p:txBody>
+      </p:sp>
+      <p:pic>
+        <p:nvPicPr>
+          <p:cNvPr id="2" name="Picture 1" descr="Logo&#10;&#10;Description automatically generated">
+            <a:extLst>
+              <a:ext uri="{FF2B5EF4-FFF2-40B4-BE49-F238E27FC236}">
+                <a16:creationId xmlns:a16="http://schemas.microsoft.com/office/drawing/2014/main" id="{6A6320F3-F499-461D-EEE8-1DA4ADB31549}"/>
+              </a:ext>
+            </a:extLst>
+          </p:cNvPr>
+          <p:cNvPicPr>
+            <a:picLocks noChangeAspect="1"/>
+          </p:cNvPicPr>
+          <p:nvPr/>
+        </p:nvPicPr>
+        <p:blipFill>
+          <a:blip r:embed="rId2">
+            <a:extLst>
+              <a:ext uri="{28A0092B-C50C-407E-A947-70E740481C1C}">
+                <a14:useLocalDpi xmlns:a14="http://schemas.microsoft.com/office/drawing/2010/main" val="0"/>
+              </a:ext>
+            </a:extLst>
+          </a:blip>
+          <a:stretch>
+            <a:fillRect/>
+          </a:stretch>
+        </p:blipFill>
+        <p:spPr>
+          <a:xfrm>
+            <a:off x="108630" y="6397884"/>
+            <a:ext cx="645766" cy="422937"/>
+          </a:xfrm>
+          <a:prstGeom prst="rect">
+            <a:avLst/>
+          </a:prstGeom>
+        </p:spPr>
+      </p:pic>
+      <p:sp>
+        <p:nvSpPr>
+          <p:cNvPr id="3" name="TextBox 5">
+            <a:extLst>
+              <a:ext uri="{FF2B5EF4-FFF2-40B4-BE49-F238E27FC236}">
+                <a16:creationId xmlns:a16="http://schemas.microsoft.com/office/drawing/2014/main" id="{8FA03FBA-0B9F-A68D-6383-E06C83ED439A}"/>
+              </a:ext>
+            </a:extLst>
+          </p:cNvPr>
+          <p:cNvSpPr txBox="1"/>
+          <p:nvPr/>
+        </p:nvSpPr>
+        <p:spPr>
+          <a:xfrm>
+            <a:off x="4424757" y="6418579"/>
+            <a:ext cx="6259403" cy="240665"/>
+          </a:xfrm>
+          <a:prstGeom prst="rect">
+            <a:avLst/>
+          </a:prstGeom>
+        </p:spPr>
+        <p:txBody>
+          <a:bodyPr lIns="0" tIns="0" rIns="0" bIns="0" rtlCol="0" anchor="t">
+            <a:spAutoFit/>
+          </a:bodyPr>
+          <a:lstStyle/>
+          <a:p>
+            <a:pPr algn="r">
+              <a:lnSpc>
+                <a:spcPts val="1960"/>
+              </a:lnSpc>
+              <a:spcBef>
+                <a:spcPct val="0"/>
+              </a:spcBef>
+            </a:pPr>
+            <a:r>
+              <a:rPr lang="en-US" sz="1400" spc="140" dirty="0">
+                <a:solidFill>
+                  <a:srgbClr val="000000"/>
+                </a:solidFill>
+                <a:latin typeface="HK Grotesk Light"/>
+              </a:rPr>
+              <a:t>2024 - RPS Consulting all rights reserved</a:t>
+            </a:r>
+          </a:p>
+        </p:txBody>
+      </p:sp>
+      <p:sp>
+        <p:nvSpPr>
+          <p:cNvPr id="6" name="Slide Number Placeholder 5">
+            <a:extLst>
+              <a:ext uri="{FF2B5EF4-FFF2-40B4-BE49-F238E27FC236}">
+                <a16:creationId xmlns:a16="http://schemas.microsoft.com/office/drawing/2014/main" id="{DC52FA71-F80E-308E-615E-47E037E7094F}"/>
+              </a:ext>
+            </a:extLst>
+          </p:cNvPr>
+          <p:cNvSpPr>
+            <a:spLocks noGrp="1"/>
+          </p:cNvSpPr>
+          <p:nvPr>
+            <p:ph type="sldNum" sz="quarter" idx="12"/>
+          </p:nvPr>
+        </p:nvSpPr>
+        <p:spPr/>
+        <p:txBody>
+          <a:bodyPr/>
+          <a:lstStyle/>
+          <a:p>
+            <a:fld id="{C8F35010-364B-470B-BB6C-DCBBE63D2E54}" type="slidenum">
+              <a:rPr lang="en-US" smtClean="0">
+                <a:solidFill>
+                  <a:schemeClr val="tx1"/>
+                </a:solidFill>
+              </a:rPr>
+              <a:t>23</a:t>
+            </a:fld>
+            <a:endParaRPr lang="en-US" dirty="0">
+              <a:solidFill>
+                <a:schemeClr val="tx1"/>
+              </a:solidFill>
+            </a:endParaRPr>
+          </a:p>
+        </p:txBody>
+      </p:sp>
+      <p:sp>
+        <p:nvSpPr>
+          <p:cNvPr id="4" name="TextBox 3">
+            <a:extLst>
+              <a:ext uri="{FF2B5EF4-FFF2-40B4-BE49-F238E27FC236}">
+                <a16:creationId xmlns:a16="http://schemas.microsoft.com/office/drawing/2014/main" id="{454C0499-82D6-C62D-D428-01CE67BAC070}"/>
+              </a:ext>
+            </a:extLst>
+          </p:cNvPr>
+          <p:cNvSpPr txBox="1"/>
+          <p:nvPr/>
+        </p:nvSpPr>
+        <p:spPr>
+          <a:xfrm>
+            <a:off x="273075" y="971116"/>
+            <a:ext cx="11080725" cy="1292662"/>
+          </a:xfrm>
+          <a:prstGeom prst="rect">
+            <a:avLst/>
+          </a:prstGeom>
+          <a:noFill/>
+        </p:spPr>
+        <p:txBody>
+          <a:bodyPr wrap="square" rtlCol="0">
+            <a:spAutoFit/>
+          </a:bodyPr>
+          <a:lstStyle>
+            <a:defPPr>
+              <a:defRPr lang="en-US"/>
+            </a:defPPr>
+            <a:lvl1pPr marL="0" algn="l" defTabSz="914400" rtl="0" eaLnBrk="1" latinLnBrk="0" hangingPunct="1">
+              <a:defRPr sz="1800" kern="1200">
+                <a:solidFill>
+                  <a:schemeClr val="tx1"/>
+                </a:solidFill>
+                <a:latin typeface="+mn-lt"/>
+                <a:ea typeface="+mn-ea"/>
+                <a:cs typeface="+mn-cs"/>
+              </a:defRPr>
+            </a:lvl1pPr>
+            <a:lvl2pPr marL="457200" algn="l" defTabSz="914400" rtl="0" eaLnBrk="1" latinLnBrk="0" hangingPunct="1">
+              <a:defRPr sz="1800" kern="1200">
+                <a:solidFill>
+                  <a:schemeClr val="tx1"/>
+                </a:solidFill>
+                <a:latin typeface="+mn-lt"/>
+                <a:ea typeface="+mn-ea"/>
+                <a:cs typeface="+mn-cs"/>
+              </a:defRPr>
+            </a:lvl2pPr>
+            <a:lvl3pPr marL="914400" algn="l" defTabSz="914400" rtl="0" eaLnBrk="1" latinLnBrk="0" hangingPunct="1">
+              <a:defRPr sz="1800" kern="1200">
+                <a:solidFill>
+                  <a:schemeClr val="tx1"/>
+                </a:solidFill>
+                <a:latin typeface="+mn-lt"/>
+                <a:ea typeface="+mn-ea"/>
+                <a:cs typeface="+mn-cs"/>
+              </a:defRPr>
+            </a:lvl3pPr>
+            <a:lvl4pPr marL="1371600" algn="l" defTabSz="914400" rtl="0" eaLnBrk="1" latinLnBrk="0" hangingPunct="1">
+              <a:defRPr sz="1800" kern="1200">
+                <a:solidFill>
+                  <a:schemeClr val="tx1"/>
+                </a:solidFill>
+                <a:latin typeface="+mn-lt"/>
+                <a:ea typeface="+mn-ea"/>
+                <a:cs typeface="+mn-cs"/>
+              </a:defRPr>
+            </a:lvl4pPr>
+            <a:lvl5pPr marL="1828800" algn="l" defTabSz="914400" rtl="0" eaLnBrk="1" latinLnBrk="0" hangingPunct="1">
+              <a:defRPr sz="1800" kern="1200">
+                <a:solidFill>
+                  <a:schemeClr val="tx1"/>
+                </a:solidFill>
+                <a:latin typeface="+mn-lt"/>
+                <a:ea typeface="+mn-ea"/>
+                <a:cs typeface="+mn-cs"/>
+              </a:defRPr>
+            </a:lvl5pPr>
+            <a:lvl6pPr marL="2286000" algn="l" defTabSz="914400" rtl="0" eaLnBrk="1" latinLnBrk="0" hangingPunct="1">
+              <a:defRPr sz="1800" kern="1200">
+                <a:solidFill>
+                  <a:schemeClr val="tx1"/>
+                </a:solidFill>
+                <a:latin typeface="+mn-lt"/>
+                <a:ea typeface="+mn-ea"/>
+                <a:cs typeface="+mn-cs"/>
+              </a:defRPr>
+            </a:lvl6pPr>
+            <a:lvl7pPr marL="2743200" algn="l" defTabSz="914400" rtl="0" eaLnBrk="1" latinLnBrk="0" hangingPunct="1">
+              <a:defRPr sz="1800" kern="1200">
+                <a:solidFill>
+                  <a:schemeClr val="tx1"/>
+                </a:solidFill>
+                <a:latin typeface="+mn-lt"/>
+                <a:ea typeface="+mn-ea"/>
+                <a:cs typeface="+mn-cs"/>
+              </a:defRPr>
+            </a:lvl7pPr>
+            <a:lvl8pPr marL="3200400" algn="l" defTabSz="914400" rtl="0" eaLnBrk="1" latinLnBrk="0" hangingPunct="1">
+              <a:defRPr sz="1800" kern="1200">
+                <a:solidFill>
+                  <a:schemeClr val="tx1"/>
+                </a:solidFill>
+                <a:latin typeface="+mn-lt"/>
+                <a:ea typeface="+mn-ea"/>
+                <a:cs typeface="+mn-cs"/>
+              </a:defRPr>
+            </a:lvl8pPr>
+            <a:lvl9pPr marL="3657600" algn="l" defTabSz="914400" rtl="0" eaLnBrk="1" latinLnBrk="0" hangingPunct="1">
+              <a:defRPr sz="1800" kern="1200">
+                <a:solidFill>
+                  <a:schemeClr val="tx1"/>
+                </a:solidFill>
+                <a:latin typeface="+mn-lt"/>
+                <a:ea typeface="+mn-ea"/>
+                <a:cs typeface="+mn-cs"/>
+              </a:defRPr>
+            </a:lvl9pPr>
+          </a:lstStyle>
+          <a:p>
+            <a:r>
+              <a:rPr lang="en-US" sz="2800" dirty="0">
+                <a:solidFill>
+                  <a:srgbClr val="0187CC"/>
+                </a:solidFill>
+                <a:latin typeface="HK Grotesk"/>
+              </a:rPr>
+              <a:t>Project pushed into GitHub: </a:t>
+            </a:r>
+            <a:r>
+              <a:rPr lang="en-US" dirty="0">
+                <a:solidFill>
+                  <a:srgbClr val="0187CC"/>
+                </a:solidFill>
+                <a:latin typeface="HK Grotesk"/>
+              </a:rPr>
+              <a:t>https://github.com/Deekshithdasa/EmployeeManagementSystem.git</a:t>
+            </a:r>
+          </a:p>
+          <a:p>
+            <a:endParaRPr lang="en-US" sz="2800" dirty="0">
+              <a:solidFill>
+                <a:srgbClr val="0187CC"/>
+              </a:solidFill>
+              <a:latin typeface="HK Grotesk"/>
+            </a:endParaRPr>
+          </a:p>
+          <a:p>
+            <a:endParaRPr lang="en-US" sz="2200" dirty="0">
+              <a:solidFill>
+                <a:srgbClr val="0187CC"/>
+              </a:solidFill>
+              <a:latin typeface="HK Grotesk"/>
+            </a:endParaRPr>
+          </a:p>
+        </p:txBody>
+      </p:sp>
+      <p:pic>
+        <p:nvPicPr>
+          <p:cNvPr id="7" name="Picture 6">
+            <a:extLst>
+              <a:ext uri="{FF2B5EF4-FFF2-40B4-BE49-F238E27FC236}">
+                <a16:creationId xmlns:a16="http://schemas.microsoft.com/office/drawing/2014/main" id="{D949A491-7DD8-7A13-B3A9-EA23DA05FEC8}"/>
+              </a:ext>
+            </a:extLst>
+          </p:cNvPr>
+          <p:cNvPicPr>
+            <a:picLocks noChangeAspect="1"/>
+          </p:cNvPicPr>
+          <p:nvPr/>
+        </p:nvPicPr>
+        <p:blipFill>
+          <a:blip r:embed="rId3"/>
+          <a:stretch>
+            <a:fillRect/>
+          </a:stretch>
+        </p:blipFill>
+        <p:spPr>
+          <a:xfrm>
+            <a:off x="375639" y="1538981"/>
+            <a:ext cx="10875595" cy="4817367"/>
+          </a:xfrm>
+          <a:prstGeom prst="rect">
+            <a:avLst/>
+          </a:prstGeom>
+        </p:spPr>
+      </p:pic>
+    </p:spTree>
+    <p:extLst>
+      <p:ext uri="{BB962C8B-B14F-4D97-AF65-F5344CB8AC3E}">
+        <p14:creationId xmlns:p14="http://schemas.microsoft.com/office/powerpoint/2010/main" val="1904965663"/>
+      </p:ext>
+    </p:extLst>
+  </p:cSld>
+  <p:clrMapOvr>
+    <a:masterClrMapping/>
+  </p:clrMapOvr>
+</p:sld>
+</file>
+
+<file path=ppt/slides/slide24.xml><?xml version="1.0" encoding="utf-8"?>
+<p:sld xmlns:a="http://schemas.openxmlformats.org/drawingml/2006/main" xmlns:r="http://schemas.openxmlformats.org/officeDocument/2006/relationships" xmlns:p="http://schemas.openxmlformats.org/presentationml/2006/main">
+  <p:cSld>
+    <p:spTree>
+      <p:nvGrpSpPr>
+        <p:cNvPr id="1" name="">
+          <a:extLst>
+            <a:ext uri="{FF2B5EF4-FFF2-40B4-BE49-F238E27FC236}">
+              <a16:creationId xmlns:a16="http://schemas.microsoft.com/office/drawing/2014/main" id="{3CB15022-694F-BFE2-13A0-0FCF482F4162}"/>
+            </a:ext>
+          </a:extLst>
+        </p:cNvPr>
+        <p:cNvGrpSpPr/>
+        <p:nvPr/>
+      </p:nvGrpSpPr>
+      <p:grpSpPr>
+        <a:xfrm>
+          <a:off x="0" y="0"/>
+          <a:ext cx="0" cy="0"/>
+          <a:chOff x="0" y="0"/>
+          <a:chExt cx="0" cy="0"/>
+        </a:xfrm>
+      </p:grpSpPr>
+      <p:sp>
+        <p:nvSpPr>
+          <p:cNvPr id="29" name="Rectangle 155">
+            <a:extLst>
+              <a:ext uri="{FF2B5EF4-FFF2-40B4-BE49-F238E27FC236}">
+                <a16:creationId xmlns:a16="http://schemas.microsoft.com/office/drawing/2014/main" id="{FB0FB813-F2EC-E75B-A22C-36F8EB098567}"/>
+              </a:ext>
+            </a:extLst>
+          </p:cNvPr>
+          <p:cNvSpPr/>
+          <p:nvPr/>
+        </p:nvSpPr>
+        <p:spPr>
+          <a:xfrm>
+            <a:off x="273075" y="211475"/>
+            <a:ext cx="10102565" cy="492443"/>
+          </a:xfrm>
+          <a:prstGeom prst="rect">
+            <a:avLst/>
+          </a:prstGeom>
+        </p:spPr>
+        <p:txBody>
+          <a:bodyPr wrap="square" lIns="0" tIns="0" rIns="0" bIns="0">
+            <a:spAutoFit/>
+          </a:bodyPr>
+          <a:lstStyle/>
+          <a:p>
+            <a:pPr>
+              <a:spcBef>
+                <a:spcPct val="0"/>
+              </a:spcBef>
+            </a:pPr>
+            <a:r>
+              <a:rPr lang="en-US" sz="3200" b="1" dirty="0">
+                <a:solidFill>
+                  <a:srgbClr val="0187CC"/>
+                </a:solidFill>
+                <a:latin typeface="HK Grotesk Bold"/>
+              </a:rPr>
+              <a:t>Employee Management System</a:t>
+            </a:r>
+          </a:p>
+        </p:txBody>
+      </p:sp>
+      <p:pic>
+        <p:nvPicPr>
+          <p:cNvPr id="2" name="Picture 1" descr="Logo&#10;&#10;Description automatically generated">
+            <a:extLst>
+              <a:ext uri="{FF2B5EF4-FFF2-40B4-BE49-F238E27FC236}">
+                <a16:creationId xmlns:a16="http://schemas.microsoft.com/office/drawing/2014/main" id="{9D8BC4B7-1901-1333-68DC-537DD6CE3F3A}"/>
+              </a:ext>
+            </a:extLst>
+          </p:cNvPr>
+          <p:cNvPicPr>
+            <a:picLocks noChangeAspect="1"/>
+          </p:cNvPicPr>
+          <p:nvPr/>
+        </p:nvPicPr>
+        <p:blipFill>
+          <a:blip r:embed="rId2">
+            <a:extLst>
+              <a:ext uri="{28A0092B-C50C-407E-A947-70E740481C1C}">
+                <a14:useLocalDpi xmlns:a14="http://schemas.microsoft.com/office/drawing/2010/main" val="0"/>
+              </a:ext>
+            </a:extLst>
+          </a:blip>
+          <a:stretch>
+            <a:fillRect/>
+          </a:stretch>
+        </p:blipFill>
+        <p:spPr>
+          <a:xfrm>
+            <a:off x="108630" y="6397884"/>
+            <a:ext cx="645766" cy="422937"/>
+          </a:xfrm>
+          <a:prstGeom prst="rect">
+            <a:avLst/>
+          </a:prstGeom>
+        </p:spPr>
+      </p:pic>
+      <p:sp>
+        <p:nvSpPr>
+          <p:cNvPr id="3" name="TextBox 5">
+            <a:extLst>
+              <a:ext uri="{FF2B5EF4-FFF2-40B4-BE49-F238E27FC236}">
+                <a16:creationId xmlns:a16="http://schemas.microsoft.com/office/drawing/2014/main" id="{6308F7AB-DCDF-A51D-E9BE-9FC906BD2901}"/>
+              </a:ext>
+            </a:extLst>
+          </p:cNvPr>
+          <p:cNvSpPr txBox="1"/>
+          <p:nvPr/>
+        </p:nvSpPr>
+        <p:spPr>
+          <a:xfrm>
+            <a:off x="4424757" y="6418579"/>
+            <a:ext cx="6259403" cy="240665"/>
+          </a:xfrm>
+          <a:prstGeom prst="rect">
+            <a:avLst/>
+          </a:prstGeom>
+        </p:spPr>
+        <p:txBody>
+          <a:bodyPr lIns="0" tIns="0" rIns="0" bIns="0" rtlCol="0" anchor="t">
+            <a:spAutoFit/>
+          </a:bodyPr>
+          <a:lstStyle/>
+          <a:p>
+            <a:pPr algn="r">
+              <a:lnSpc>
+                <a:spcPts val="1960"/>
+              </a:lnSpc>
+              <a:spcBef>
+                <a:spcPct val="0"/>
+              </a:spcBef>
+            </a:pPr>
+            <a:r>
+              <a:rPr lang="en-US" sz="1400" spc="140" dirty="0">
+                <a:solidFill>
+                  <a:srgbClr val="000000"/>
+                </a:solidFill>
+                <a:latin typeface="HK Grotesk Light"/>
+              </a:rPr>
+              <a:t>2024 - RPS Consulting all rights reserved</a:t>
+            </a:r>
+          </a:p>
+        </p:txBody>
+      </p:sp>
+      <p:sp>
+        <p:nvSpPr>
+          <p:cNvPr id="6" name="Slide Number Placeholder 5">
+            <a:extLst>
+              <a:ext uri="{FF2B5EF4-FFF2-40B4-BE49-F238E27FC236}">
+                <a16:creationId xmlns:a16="http://schemas.microsoft.com/office/drawing/2014/main" id="{482D545A-F57B-E26C-9D5A-50469152F71B}"/>
+              </a:ext>
+            </a:extLst>
+          </p:cNvPr>
+          <p:cNvSpPr>
+            <a:spLocks noGrp="1"/>
+          </p:cNvSpPr>
+          <p:nvPr>
+            <p:ph type="sldNum" sz="quarter" idx="12"/>
+          </p:nvPr>
+        </p:nvSpPr>
+        <p:spPr/>
+        <p:txBody>
+          <a:bodyPr/>
+          <a:lstStyle/>
+          <a:p>
+            <a:fld id="{C8F35010-364B-470B-BB6C-DCBBE63D2E54}" type="slidenum">
+              <a:rPr lang="en-US" smtClean="0">
+                <a:solidFill>
+                  <a:schemeClr val="tx1"/>
+                </a:solidFill>
+              </a:rPr>
+              <a:t>24</a:t>
+            </a:fld>
+            <a:endParaRPr lang="en-US" dirty="0">
+              <a:solidFill>
+                <a:schemeClr val="tx1"/>
+              </a:solidFill>
+            </a:endParaRPr>
+          </a:p>
+        </p:txBody>
+      </p:sp>
+      <p:sp>
+        <p:nvSpPr>
+          <p:cNvPr id="4" name="TextBox 3">
+            <a:extLst>
+              <a:ext uri="{FF2B5EF4-FFF2-40B4-BE49-F238E27FC236}">
+                <a16:creationId xmlns:a16="http://schemas.microsoft.com/office/drawing/2014/main" id="{3384E45A-9345-7969-C5B3-41CA16693DE0}"/>
+              </a:ext>
+            </a:extLst>
+          </p:cNvPr>
+          <p:cNvSpPr txBox="1"/>
+          <p:nvPr/>
+        </p:nvSpPr>
+        <p:spPr>
+          <a:xfrm>
+            <a:off x="273075" y="971116"/>
+            <a:ext cx="11080725" cy="5355312"/>
+          </a:xfrm>
+          <a:prstGeom prst="rect">
+            <a:avLst/>
+          </a:prstGeom>
+          <a:noFill/>
+        </p:spPr>
+        <p:txBody>
+          <a:bodyPr wrap="square" rtlCol="0">
+            <a:spAutoFit/>
+          </a:bodyPr>
+          <a:lstStyle>
+            <a:defPPr>
+              <a:defRPr lang="en-US"/>
+            </a:defPPr>
+            <a:lvl1pPr marL="0" algn="l" defTabSz="914400" rtl="0" eaLnBrk="1" latinLnBrk="0" hangingPunct="1">
+              <a:defRPr sz="1800" kern="1200">
+                <a:solidFill>
+                  <a:schemeClr val="tx1"/>
+                </a:solidFill>
+                <a:latin typeface="+mn-lt"/>
+                <a:ea typeface="+mn-ea"/>
+                <a:cs typeface="+mn-cs"/>
+              </a:defRPr>
+            </a:lvl1pPr>
+            <a:lvl2pPr marL="457200" algn="l" defTabSz="914400" rtl="0" eaLnBrk="1" latinLnBrk="0" hangingPunct="1">
+              <a:defRPr sz="1800" kern="1200">
+                <a:solidFill>
+                  <a:schemeClr val="tx1"/>
+                </a:solidFill>
+                <a:latin typeface="+mn-lt"/>
+                <a:ea typeface="+mn-ea"/>
+                <a:cs typeface="+mn-cs"/>
+              </a:defRPr>
+            </a:lvl2pPr>
+            <a:lvl3pPr marL="914400" algn="l" defTabSz="914400" rtl="0" eaLnBrk="1" latinLnBrk="0" hangingPunct="1">
+              <a:defRPr sz="1800" kern="1200">
+                <a:solidFill>
+                  <a:schemeClr val="tx1"/>
+                </a:solidFill>
+                <a:latin typeface="+mn-lt"/>
+                <a:ea typeface="+mn-ea"/>
+                <a:cs typeface="+mn-cs"/>
+              </a:defRPr>
+            </a:lvl3pPr>
+            <a:lvl4pPr marL="1371600" algn="l" defTabSz="914400" rtl="0" eaLnBrk="1" latinLnBrk="0" hangingPunct="1">
+              <a:defRPr sz="1800" kern="1200">
+                <a:solidFill>
+                  <a:schemeClr val="tx1"/>
+                </a:solidFill>
+                <a:latin typeface="+mn-lt"/>
+                <a:ea typeface="+mn-ea"/>
+                <a:cs typeface="+mn-cs"/>
+              </a:defRPr>
+            </a:lvl4pPr>
+            <a:lvl5pPr marL="1828800" algn="l" defTabSz="914400" rtl="0" eaLnBrk="1" latinLnBrk="0" hangingPunct="1">
+              <a:defRPr sz="1800" kern="1200">
+                <a:solidFill>
+                  <a:schemeClr val="tx1"/>
+                </a:solidFill>
+                <a:latin typeface="+mn-lt"/>
+                <a:ea typeface="+mn-ea"/>
+                <a:cs typeface="+mn-cs"/>
+              </a:defRPr>
+            </a:lvl5pPr>
+            <a:lvl6pPr marL="2286000" algn="l" defTabSz="914400" rtl="0" eaLnBrk="1" latinLnBrk="0" hangingPunct="1">
+              <a:defRPr sz="1800" kern="1200">
+                <a:solidFill>
+                  <a:schemeClr val="tx1"/>
+                </a:solidFill>
+                <a:latin typeface="+mn-lt"/>
+                <a:ea typeface="+mn-ea"/>
+                <a:cs typeface="+mn-cs"/>
+              </a:defRPr>
+            </a:lvl6pPr>
+            <a:lvl7pPr marL="2743200" algn="l" defTabSz="914400" rtl="0" eaLnBrk="1" latinLnBrk="0" hangingPunct="1">
+              <a:defRPr sz="1800" kern="1200">
+                <a:solidFill>
+                  <a:schemeClr val="tx1"/>
+                </a:solidFill>
+                <a:latin typeface="+mn-lt"/>
+                <a:ea typeface="+mn-ea"/>
+                <a:cs typeface="+mn-cs"/>
+              </a:defRPr>
+            </a:lvl7pPr>
+            <a:lvl8pPr marL="3200400" algn="l" defTabSz="914400" rtl="0" eaLnBrk="1" latinLnBrk="0" hangingPunct="1">
+              <a:defRPr sz="1800" kern="1200">
+                <a:solidFill>
+                  <a:schemeClr val="tx1"/>
+                </a:solidFill>
+                <a:latin typeface="+mn-lt"/>
+                <a:ea typeface="+mn-ea"/>
+                <a:cs typeface="+mn-cs"/>
+              </a:defRPr>
+            </a:lvl8pPr>
+            <a:lvl9pPr marL="3657600" algn="l" defTabSz="914400" rtl="0" eaLnBrk="1" latinLnBrk="0" hangingPunct="1">
+              <a:defRPr sz="1800" kern="1200">
+                <a:solidFill>
+                  <a:schemeClr val="tx1"/>
+                </a:solidFill>
+                <a:latin typeface="+mn-lt"/>
+                <a:ea typeface="+mn-ea"/>
+                <a:cs typeface="+mn-cs"/>
+              </a:defRPr>
+            </a:lvl9pPr>
+          </a:lstStyle>
+          <a:p>
+            <a:r>
+              <a:rPr lang="en-US" sz="2800" dirty="0">
+                <a:solidFill>
+                  <a:srgbClr val="0187CC"/>
+                </a:solidFill>
+                <a:latin typeface="HK Grotesk"/>
+              </a:rPr>
+              <a:t>Conclusion:</a:t>
+            </a:r>
+          </a:p>
+          <a:p>
+            <a:endParaRPr lang="en-US" sz="2800" dirty="0">
+              <a:solidFill>
+                <a:srgbClr val="0187CC"/>
+              </a:solidFill>
+              <a:latin typeface="HK Grotesk"/>
+            </a:endParaRPr>
+          </a:p>
+          <a:p>
+            <a:pPr marL="342900" indent="-342900">
+              <a:buFont typeface="Arial" panose="020B0604020202020204" pitchFamily="34" charset="0"/>
+              <a:buChar char="•"/>
+            </a:pPr>
+            <a:r>
+              <a:rPr lang="en-US" sz="2200" dirty="0">
+                <a:solidFill>
+                  <a:srgbClr val="0187CC"/>
+                </a:solidFill>
+                <a:latin typeface="HK Grotesk"/>
+              </a:rPr>
+              <a:t>The Employee Management System provides an efficient way to manage employee records digitally.</a:t>
+            </a:r>
+          </a:p>
+          <a:p>
+            <a:endParaRPr lang="en-US" sz="2200" dirty="0">
+              <a:solidFill>
+                <a:srgbClr val="0187CC"/>
+              </a:solidFill>
+              <a:latin typeface="HK Grotesk"/>
+            </a:endParaRPr>
+          </a:p>
+          <a:p>
+            <a:pPr marL="342900" indent="-342900">
+              <a:buFont typeface="Arial" panose="020B0604020202020204" pitchFamily="34" charset="0"/>
+              <a:buChar char="•"/>
+            </a:pPr>
+            <a:r>
+              <a:rPr lang="en-US" sz="2200" dirty="0">
+                <a:solidFill>
+                  <a:srgbClr val="0187CC"/>
+                </a:solidFill>
+                <a:latin typeface="HK Grotesk"/>
+              </a:rPr>
+              <a:t>It supports CRUD operations with secure and validated data handling.</a:t>
+            </a:r>
+          </a:p>
+          <a:p>
+            <a:endParaRPr lang="en-US" sz="2200" dirty="0">
+              <a:solidFill>
+                <a:srgbClr val="0187CC"/>
+              </a:solidFill>
+              <a:latin typeface="HK Grotesk"/>
+            </a:endParaRPr>
+          </a:p>
+          <a:p>
+            <a:pPr marL="342900" indent="-342900">
+              <a:buFont typeface="Arial" panose="020B0604020202020204" pitchFamily="34" charset="0"/>
+              <a:buChar char="•"/>
+            </a:pPr>
+            <a:r>
+              <a:rPr lang="en-US" sz="2200" dirty="0">
+                <a:solidFill>
+                  <a:srgbClr val="0187CC"/>
+                </a:solidFill>
+                <a:latin typeface="HK Grotesk"/>
+              </a:rPr>
+              <a:t>Angular delivers a responsive and interactive user interface.</a:t>
+            </a:r>
+          </a:p>
+          <a:p>
+            <a:pPr marL="342900" indent="-342900">
+              <a:buFont typeface="Arial" panose="020B0604020202020204" pitchFamily="34" charset="0"/>
+              <a:buChar char="•"/>
+            </a:pPr>
+            <a:endParaRPr lang="en-US" sz="2200" dirty="0">
+              <a:solidFill>
+                <a:srgbClr val="0187CC"/>
+              </a:solidFill>
+              <a:latin typeface="HK Grotesk"/>
+            </a:endParaRPr>
+          </a:p>
+          <a:p>
+            <a:pPr marL="342900" indent="-342900">
+              <a:buFont typeface="Arial" panose="020B0604020202020204" pitchFamily="34" charset="0"/>
+              <a:buChar char="•"/>
+            </a:pPr>
+            <a:r>
+              <a:rPr lang="en-US" sz="2200" dirty="0">
+                <a:solidFill>
+                  <a:srgbClr val="0187CC"/>
+                </a:solidFill>
+                <a:latin typeface="HK Grotesk"/>
+              </a:rPr>
+              <a:t>Spring Boot with RESTful APIs handles backend business logic efficiently.</a:t>
+            </a:r>
+          </a:p>
+          <a:p>
+            <a:pPr marL="342900" indent="-342900">
+              <a:buFont typeface="Arial" panose="020B0604020202020204" pitchFamily="34" charset="0"/>
+              <a:buChar char="•"/>
+            </a:pPr>
+            <a:endParaRPr lang="en-US" sz="2200" dirty="0">
+              <a:solidFill>
+                <a:srgbClr val="0187CC"/>
+              </a:solidFill>
+              <a:latin typeface="HK Grotesk"/>
+            </a:endParaRPr>
+          </a:p>
+          <a:p>
+            <a:pPr marL="342900" indent="-342900">
+              <a:buFont typeface="Arial" panose="020B0604020202020204" pitchFamily="34" charset="0"/>
+              <a:buChar char="•"/>
+            </a:pPr>
+            <a:r>
+              <a:rPr lang="en-US" sz="2200" dirty="0">
+                <a:solidFill>
+                  <a:srgbClr val="0187CC"/>
+                </a:solidFill>
+                <a:latin typeface="HK Grotesk"/>
+              </a:rPr>
+              <a:t>The database ensures reliable data storage and quick retrieval.</a:t>
+            </a:r>
+          </a:p>
+          <a:p>
+            <a:pPr marL="342900" indent="-342900">
+              <a:buFont typeface="Arial" panose="020B0604020202020204" pitchFamily="34" charset="0"/>
+              <a:buChar char="•"/>
+            </a:pPr>
+            <a:endParaRPr lang="en-US" sz="2200" dirty="0">
+              <a:solidFill>
+                <a:srgbClr val="0187CC"/>
+              </a:solidFill>
+              <a:latin typeface="HK Grotesk"/>
+            </a:endParaRPr>
+          </a:p>
+          <a:p>
+            <a:pPr marL="342900" indent="-342900">
+              <a:buFont typeface="Arial" panose="020B0604020202020204" pitchFamily="34" charset="0"/>
+              <a:buChar char="•"/>
+            </a:pPr>
+            <a:r>
+              <a:rPr lang="en-US" sz="2200" dirty="0">
+                <a:solidFill>
+                  <a:srgbClr val="0187CC"/>
+                </a:solidFill>
+                <a:latin typeface="HK Grotesk"/>
+              </a:rPr>
+              <a:t>Deployment on Docker and Microsoft Azure enables scalability, reliability, and cloud readiness.</a:t>
+            </a:r>
+          </a:p>
+        </p:txBody>
+      </p:sp>
+    </p:spTree>
+    <p:extLst>
+      <p:ext uri="{BB962C8B-B14F-4D97-AF65-F5344CB8AC3E}">
+        <p14:creationId xmlns:p14="http://schemas.microsoft.com/office/powerpoint/2010/main" val="4294525340"/>
       </p:ext>
     </p:extLst>
   </p:cSld>
